--- a/main.pptx
+++ b/main.pptx
@@ -5,9 +5,12 @@
     <p:sldMasterId id="2147483648" r:id="rId1"/>
   </p:sldMasterIdLst>
   <p:sldIdLst>
-    <p:sldId id="256" r:id="rId2"/>
+    <p:sldId id="263" r:id="rId2"/>
     <p:sldId id="257" r:id="rId3"/>
-    <p:sldId id="258" r:id="rId4"/>
+    <p:sldId id="259" r:id="rId4"/>
+    <p:sldId id="260" r:id="rId5"/>
+    <p:sldId id="261" r:id="rId6"/>
+    <p:sldId id="262" r:id="rId7"/>
   </p:sldIdLst>
   <p:sldSz cx="12192000" cy="6858000"/>
   <p:notesSz cx="6858000" cy="9144000"/>
@@ -106,6 +109,11 @@
       </a:defRPr>
     </a:lvl9pPr>
   </p:defaultTextStyle>
+  <p:extLst>
+    <p:ext uri="{EFAFB233-063F-42B5-8137-9DF3F51BA10A}">
+      <p15:sldGuideLst xmlns:p15="http://schemas.microsoft.com/office/powerpoint/2012/main"/>
+    </p:ext>
+  </p:extLst>
 </p:presentation>
 </file>
 
@@ -154,7 +162,6 @@
               <a:rPr lang="zh-CN" altLang="en-US"/>
               <a:t>单击此处编辑母版标题样式</a:t>
             </a:r>
-            <a:endParaRPr lang="zh-CN" altLang="en-US"/>
           </a:p>
         </p:txBody>
       </p:sp>
@@ -219,7 +226,6 @@
               <a:rPr lang="zh-CN" altLang="en-US"/>
               <a:t>单击以编辑母版副标题样式</a:t>
             </a:r>
-            <a:endParaRPr lang="zh-CN" altLang="en-US"/>
           </a:p>
         </p:txBody>
       </p:sp>
@@ -240,7 +246,7 @@
           <a:p>
             <a:fld id="{63AA849E-E462-42DF-AF40-CACAC0CFF0E0}" type="datetimeFigureOut">
               <a:rPr lang="zh-CN" altLang="en-US" smtClean="0"/>
-              <a:t>2016/11/7</a:t>
+              <a:t>2016/11/16</a:t>
             </a:fld>
             <a:endParaRPr lang="zh-CN" altLang="en-US"/>
           </a:p>
@@ -337,7 +343,6 @@
               <a:rPr lang="zh-CN" altLang="en-US"/>
               <a:t>单击此处编辑母版标题样式</a:t>
             </a:r>
-            <a:endParaRPr lang="zh-CN" altLang="en-US"/>
           </a:p>
         </p:txBody>
       </p:sp>
@@ -389,7 +394,6 @@
               <a:rPr lang="zh-CN" altLang="en-US"/>
               <a:t>第五级</a:t>
             </a:r>
-            <a:endParaRPr lang="zh-CN" altLang="en-US"/>
           </a:p>
         </p:txBody>
       </p:sp>
@@ -410,7 +414,7 @@
           <a:p>
             <a:fld id="{63AA849E-E462-42DF-AF40-CACAC0CFF0E0}" type="datetimeFigureOut">
               <a:rPr lang="zh-CN" altLang="en-US" smtClean="0"/>
-              <a:t>2016/11/7</a:t>
+              <a:t>2016/11/16</a:t>
             </a:fld>
             <a:endParaRPr lang="zh-CN" altLang="en-US"/>
           </a:p>
@@ -512,7 +516,6 @@
               <a:rPr lang="zh-CN" altLang="en-US"/>
               <a:t>单击此处编辑母版标题样式</a:t>
             </a:r>
-            <a:endParaRPr lang="zh-CN" altLang="en-US"/>
           </a:p>
         </p:txBody>
       </p:sp>
@@ -569,7 +572,6 @@
               <a:rPr lang="zh-CN" altLang="en-US"/>
               <a:t>第五级</a:t>
             </a:r>
-            <a:endParaRPr lang="zh-CN" altLang="en-US"/>
           </a:p>
         </p:txBody>
       </p:sp>
@@ -590,7 +592,7 @@
           <a:p>
             <a:fld id="{63AA849E-E462-42DF-AF40-CACAC0CFF0E0}" type="datetimeFigureOut">
               <a:rPr lang="zh-CN" altLang="en-US" smtClean="0"/>
-              <a:t>2016/11/7</a:t>
+              <a:t>2016/11/16</a:t>
             </a:fld>
             <a:endParaRPr lang="zh-CN" altLang="en-US"/>
           </a:p>
@@ -687,7 +689,6 @@
               <a:rPr lang="zh-CN" altLang="en-US"/>
               <a:t>单击此处编辑母版标题样式</a:t>
             </a:r>
-            <a:endParaRPr lang="zh-CN" altLang="en-US"/>
           </a:p>
         </p:txBody>
       </p:sp>
@@ -744,7 +745,6 @@
               <a:rPr lang="zh-CN" altLang="en-US"/>
               <a:t>第五级</a:t>
             </a:r>
-            <a:endParaRPr lang="zh-CN" altLang="en-US"/>
           </a:p>
         </p:txBody>
       </p:sp>
@@ -801,7 +801,6 @@
               <a:rPr lang="zh-CN" altLang="en-US"/>
               <a:t>第五级</a:t>
             </a:r>
-            <a:endParaRPr lang="zh-CN" altLang="en-US"/>
           </a:p>
         </p:txBody>
       </p:sp>
@@ -822,7 +821,7 @@
           <a:p>
             <a:fld id="{63AA849E-E462-42DF-AF40-CACAC0CFF0E0}" type="datetimeFigureOut">
               <a:rPr lang="zh-CN" altLang="en-US" smtClean="0"/>
-              <a:t>2016/11/7</a:t>
+              <a:t>2016/11/16</a:t>
             </a:fld>
             <a:endParaRPr lang="zh-CN" altLang="en-US"/>
           </a:p>
@@ -919,7 +918,6 @@
               <a:rPr lang="zh-CN" altLang="en-US"/>
               <a:t>单击此处编辑母版标题样式</a:t>
             </a:r>
-            <a:endParaRPr lang="zh-CN" altLang="en-US"/>
           </a:p>
         </p:txBody>
       </p:sp>
@@ -971,7 +969,6 @@
               <a:rPr lang="zh-CN" altLang="en-US"/>
               <a:t>第五级</a:t>
             </a:r>
-            <a:endParaRPr lang="zh-CN" altLang="en-US"/>
           </a:p>
         </p:txBody>
       </p:sp>
@@ -992,7 +989,7 @@
           <a:p>
             <a:fld id="{63AA849E-E462-42DF-AF40-CACAC0CFF0E0}" type="datetimeFigureOut">
               <a:rPr lang="zh-CN" altLang="en-US" smtClean="0"/>
-              <a:t>2016/11/7</a:t>
+              <a:t>2016/11/16</a:t>
             </a:fld>
             <a:endParaRPr lang="zh-CN" altLang="en-US"/>
           </a:p>
@@ -1098,7 +1095,6 @@
               <a:rPr lang="zh-CN" altLang="en-US"/>
               <a:t>单击此处编辑母版标题样式</a:t>
             </a:r>
-            <a:endParaRPr lang="zh-CN" altLang="en-US"/>
           </a:p>
         </p:txBody>
       </p:sp>
@@ -1238,7 +1234,7 @@
           <a:p>
             <a:fld id="{63AA849E-E462-42DF-AF40-CACAC0CFF0E0}" type="datetimeFigureOut">
               <a:rPr lang="zh-CN" altLang="en-US" smtClean="0"/>
-              <a:t>2016/11/7</a:t>
+              <a:t>2016/11/16</a:t>
             </a:fld>
             <a:endParaRPr lang="zh-CN" altLang="en-US"/>
           </a:p>
@@ -1335,7 +1331,6 @@
               <a:rPr lang="zh-CN" altLang="en-US"/>
               <a:t>单击此处编辑母版标题样式</a:t>
             </a:r>
-            <a:endParaRPr lang="zh-CN" altLang="en-US"/>
           </a:p>
         </p:txBody>
       </p:sp>
@@ -1392,7 +1387,6 @@
               <a:rPr lang="zh-CN" altLang="en-US"/>
               <a:t>第五级</a:t>
             </a:r>
-            <a:endParaRPr lang="zh-CN" altLang="en-US"/>
           </a:p>
         </p:txBody>
       </p:sp>
@@ -1449,7 +1443,6 @@
               <a:rPr lang="zh-CN" altLang="en-US"/>
               <a:t>第五级</a:t>
             </a:r>
-            <a:endParaRPr lang="zh-CN" altLang="en-US"/>
           </a:p>
         </p:txBody>
       </p:sp>
@@ -1470,7 +1463,7 @@
           <a:p>
             <a:fld id="{63AA849E-E462-42DF-AF40-CACAC0CFF0E0}" type="datetimeFigureOut">
               <a:rPr lang="zh-CN" altLang="en-US" smtClean="0"/>
-              <a:t>2016/11/7</a:t>
+              <a:t>2016/11/16</a:t>
             </a:fld>
             <a:endParaRPr lang="zh-CN" altLang="en-US"/>
           </a:p>
@@ -1572,7 +1565,6 @@
               <a:rPr lang="zh-CN" altLang="en-US"/>
               <a:t>单击此处编辑母版标题样式</a:t>
             </a:r>
-            <a:endParaRPr lang="zh-CN" altLang="en-US"/>
           </a:p>
         </p:txBody>
       </p:sp>
@@ -1694,7 +1686,6 @@
               <a:rPr lang="zh-CN" altLang="en-US"/>
               <a:t>第五级</a:t>
             </a:r>
-            <a:endParaRPr lang="zh-CN" altLang="en-US"/>
           </a:p>
         </p:txBody>
       </p:sp>
@@ -1816,7 +1807,6 @@
               <a:rPr lang="zh-CN" altLang="en-US"/>
               <a:t>第五级</a:t>
             </a:r>
-            <a:endParaRPr lang="zh-CN" altLang="en-US"/>
           </a:p>
         </p:txBody>
       </p:sp>
@@ -1837,7 +1827,7 @@
           <a:p>
             <a:fld id="{63AA849E-E462-42DF-AF40-CACAC0CFF0E0}" type="datetimeFigureOut">
               <a:rPr lang="zh-CN" altLang="en-US" smtClean="0"/>
-              <a:t>2016/11/7</a:t>
+              <a:t>2016/11/16</a:t>
             </a:fld>
             <a:endParaRPr lang="zh-CN" altLang="en-US"/>
           </a:p>
@@ -1934,7 +1924,6 @@
               <a:rPr lang="zh-CN" altLang="en-US"/>
               <a:t>单击此处编辑母版标题样式</a:t>
             </a:r>
-            <a:endParaRPr lang="zh-CN" altLang="en-US"/>
           </a:p>
         </p:txBody>
       </p:sp>
@@ -1955,7 +1944,7 @@
           <a:p>
             <a:fld id="{63AA849E-E462-42DF-AF40-CACAC0CFF0E0}" type="datetimeFigureOut">
               <a:rPr lang="zh-CN" altLang="en-US" smtClean="0"/>
-              <a:t>2016/11/7</a:t>
+              <a:t>2016/11/16</a:t>
             </a:fld>
             <a:endParaRPr lang="zh-CN" altLang="en-US"/>
           </a:p>
@@ -2050,7 +2039,7 @@
           <a:p>
             <a:fld id="{63AA849E-E462-42DF-AF40-CACAC0CFF0E0}" type="datetimeFigureOut">
               <a:rPr lang="zh-CN" altLang="en-US" smtClean="0"/>
-              <a:t>2016/11/7</a:t>
+              <a:t>2016/11/16</a:t>
             </a:fld>
             <a:endParaRPr lang="zh-CN" altLang="en-US"/>
           </a:p>
@@ -2156,7 +2145,6 @@
               <a:rPr lang="zh-CN" altLang="en-US"/>
               <a:t>单击此处编辑母版标题样式</a:t>
             </a:r>
-            <a:endParaRPr lang="zh-CN" altLang="en-US"/>
           </a:p>
         </p:txBody>
       </p:sp>
@@ -2241,7 +2229,6 @@
               <a:rPr lang="zh-CN" altLang="en-US"/>
               <a:t>第五级</a:t>
             </a:r>
-            <a:endParaRPr lang="zh-CN" altLang="en-US"/>
           </a:p>
         </p:txBody>
       </p:sp>
@@ -2327,7 +2314,7 @@
           <a:p>
             <a:fld id="{63AA849E-E462-42DF-AF40-CACAC0CFF0E0}" type="datetimeFigureOut">
               <a:rPr lang="zh-CN" altLang="en-US" smtClean="0"/>
-              <a:t>2016/11/7</a:t>
+              <a:t>2016/11/16</a:t>
             </a:fld>
             <a:endParaRPr lang="zh-CN" altLang="en-US"/>
           </a:p>
@@ -2433,7 +2420,6 @@
               <a:rPr lang="zh-CN" altLang="en-US"/>
               <a:t>单击此处编辑母版标题样式</a:t>
             </a:r>
-            <a:endParaRPr lang="zh-CN" altLang="en-US"/>
           </a:p>
         </p:txBody>
       </p:sp>
@@ -2580,7 +2566,7 @@
           <a:p>
             <a:fld id="{63AA849E-E462-42DF-AF40-CACAC0CFF0E0}" type="datetimeFigureOut">
               <a:rPr lang="zh-CN" altLang="en-US" smtClean="0"/>
-              <a:t>2016/11/7</a:t>
+              <a:t>2016/11/16</a:t>
             </a:fld>
             <a:endParaRPr lang="zh-CN" altLang="en-US"/>
           </a:p>
@@ -2692,7 +2678,6 @@
               <a:rPr lang="zh-CN" altLang="en-US"/>
               <a:t>单击此处编辑母版标题样式</a:t>
             </a:r>
-            <a:endParaRPr lang="zh-CN" altLang="en-US"/>
           </a:p>
         </p:txBody>
       </p:sp>
@@ -2754,7 +2739,6 @@
               <a:rPr lang="zh-CN" altLang="en-US"/>
               <a:t>第五级</a:t>
             </a:r>
-            <a:endParaRPr lang="zh-CN" altLang="en-US"/>
           </a:p>
         </p:txBody>
       </p:sp>
@@ -2793,7 +2777,7 @@
           <a:p>
             <a:fld id="{63AA849E-E462-42DF-AF40-CACAC0CFF0E0}" type="datetimeFigureOut">
               <a:rPr lang="zh-CN" altLang="en-US" smtClean="0"/>
-              <a:t>2016/11/7</a:t>
+              <a:t>2016/11/16</a:t>
             </a:fld>
             <a:endParaRPr lang="zh-CN" altLang="en-US"/>
           </a:p>
@@ -3201,60 +3185,193 @@
       </p:grpSpPr>
       <p:sp>
         <p:nvSpPr>
-          <p:cNvPr id="2" name="标题 1"/>
-          <p:cNvSpPr>
-            <a:spLocks noGrp="1"/>
-          </p:cNvSpPr>
-          <p:nvPr>
-            <p:ph type="ctrTitle"/>
-          </p:nvPr>
-        </p:nvSpPr>
-        <p:spPr/>
-        <p:txBody>
-          <a:bodyPr/>
-          <a:lstStyle/>
-          <a:p>
+          <p:cNvPr id="2" name="文本框 1"/>
+          <p:cNvSpPr txBox="1"/>
+          <p:nvPr/>
+        </p:nvSpPr>
+        <p:spPr>
+          <a:xfrm>
+            <a:off x="609600" y="274320"/>
+            <a:ext cx="10972800" cy="1143229"/>
+          </a:xfrm>
+          <a:prstGeom prst="rect">
+            <a:avLst/>
+          </a:prstGeom>
+          <a:noFill/>
+        </p:spPr>
+        <p:txBody>
+          <a:bodyPr vert="horz" wrap="square" rtlCol="0">
+            <a:normAutofit/>
+          </a:bodyPr>
+          <a:lstStyle/>
+          <a:p>
+            <a:r>
+              <a:rPr lang="en-US" altLang="zh-CN" sz="4800" dirty="0"/>
+              <a:t>Connecting..</a:t>
+            </a:r>
+            <a:endParaRPr lang="zh-CN" altLang="en-US" sz="4800" dirty="0"/>
+          </a:p>
+        </p:txBody>
+      </p:sp>
+      <p:sp>
+        <p:nvSpPr>
+          <p:cNvPr id="3" name="矩形 2"/>
+          <p:cNvSpPr/>
+          <p:nvPr/>
+        </p:nvSpPr>
+        <p:spPr>
+          <a:xfrm>
+            <a:off x="6096000" y="1714500"/>
+            <a:ext cx="5143500" cy="5143500"/>
+          </a:xfrm>
+          <a:prstGeom prst="rect">
+            <a:avLst/>
+          </a:prstGeom>
+          <a:blipFill>
+            <a:blip r:embed="rId2"/>
+            <a:stretch>
+              <a:fillRect/>
+            </a:stretch>
+          </a:blipFill>
+          <a:ln w="12700" cap="flat" cmpd="sng" algn="ctr">
+            <a:solidFill>
+              <a:schemeClr val="accent1">
+                <a:shade val="50000"/>
+                <a:alpha val="0"/>
+              </a:schemeClr>
+            </a:solidFill>
+            <a:prstDash val="solid"/>
+            <a:miter lim="800000"/>
+            <a:headEnd type="none" w="med" len="med"/>
+            <a:tailEnd type="none" w="med" len="med"/>
+          </a:ln>
+        </p:spPr>
+        <p:style>
+          <a:lnRef idx="2">
+            <a:schemeClr val="accent1">
+              <a:shade val="50000"/>
+            </a:schemeClr>
+          </a:lnRef>
+          <a:fillRef idx="1">
+            <a:schemeClr val="accent1"/>
+          </a:fillRef>
+          <a:effectRef idx="0">
+            <a:schemeClr val="accent1"/>
+          </a:effectRef>
+          <a:fontRef idx="minor">
+            <a:schemeClr val="lt1"/>
+          </a:fontRef>
+        </p:style>
+        <p:txBody>
+          <a:bodyPr rtlCol="0" anchor="ctr"/>
+          <a:lstStyle/>
+          <a:p>
+            <a:pPr algn="ctr"/>
             <a:endParaRPr lang="zh-CN" altLang="en-US"/>
           </a:p>
         </p:txBody>
       </p:sp>
       <p:sp>
         <p:nvSpPr>
-          <p:cNvPr id="3" name="副标题 2"/>
-          <p:cNvSpPr>
-            <a:spLocks noGrp="1"/>
-          </p:cNvSpPr>
-          <p:nvPr>
-            <p:ph type="subTitle" idx="1"/>
-          </p:nvPr>
-        </p:nvSpPr>
-        <p:spPr/>
-        <p:txBody>
-          <a:bodyPr/>
-          <a:lstStyle/>
-          <a:p>
+          <p:cNvPr id="4" name="矩形 3"/>
+          <p:cNvSpPr/>
+          <p:nvPr/>
+        </p:nvSpPr>
+        <p:spPr>
+          <a:xfrm>
+            <a:off x="952500" y="2327817"/>
+            <a:ext cx="5143500" cy="4530183"/>
+          </a:xfrm>
+          <a:prstGeom prst="rect">
+            <a:avLst/>
+          </a:prstGeom>
+          <a:blipFill>
+            <a:blip r:embed="rId3"/>
+            <a:stretch>
+              <a:fillRect/>
+            </a:stretch>
+          </a:blipFill>
+          <a:ln w="12700" cap="flat" cmpd="sng" algn="ctr">
+            <a:solidFill>
+              <a:schemeClr val="accent1">
+                <a:shade val="50000"/>
+                <a:alpha val="0"/>
+              </a:schemeClr>
+            </a:solidFill>
+            <a:prstDash val="solid"/>
+            <a:miter lim="800000"/>
+            <a:headEnd type="none" w="med" len="med"/>
+            <a:tailEnd type="none" w="med" len="med"/>
+          </a:ln>
+        </p:spPr>
+        <p:style>
+          <a:lnRef idx="2">
+            <a:schemeClr val="accent1">
+              <a:shade val="50000"/>
+            </a:schemeClr>
+          </a:lnRef>
+          <a:fillRef idx="1">
+            <a:schemeClr val="accent1"/>
+          </a:fillRef>
+          <a:effectRef idx="0">
+            <a:schemeClr val="accent1"/>
+          </a:effectRef>
+          <a:fontRef idx="minor">
+            <a:schemeClr val="lt1"/>
+          </a:fontRef>
+        </p:style>
+        <p:txBody>
+          <a:bodyPr rtlCol="0" anchor="ctr"/>
+          <a:lstStyle/>
+          <a:p>
+            <a:pPr algn="ctr"/>
             <a:endParaRPr lang="zh-CN" altLang="en-US"/>
+          </a:p>
+        </p:txBody>
+      </p:sp>
+      <p:sp>
+        <p:nvSpPr>
+          <p:cNvPr id="5" name="文本框 4">
+            <a:hlinkClick r:id="rId4"/>
+          </p:cNvPr>
+          <p:cNvSpPr txBox="1"/>
+          <p:nvPr/>
+        </p:nvSpPr>
+        <p:spPr>
+          <a:xfrm>
+            <a:off x="6096000" y="6515100"/>
+            <a:ext cx="5143500" cy="342900"/>
+          </a:xfrm>
+          <a:prstGeom prst="rect">
+            <a:avLst/>
+          </a:prstGeom>
+          <a:noFill/>
+        </p:spPr>
+        <p:txBody>
+          <a:bodyPr vert="horz" wrap="square" rtlCol="0">
+            <a:normAutofit fontScale="92500"/>
+          </a:bodyPr>
+          <a:lstStyle/>
+          <a:p>
+            <a:pPr algn="ctr"/>
+            <a:r>
+              <a:rPr lang="en-US" altLang="zh-CN" sz="1400"/>
+              <a:t>http://www.rclickr.com/keypad.aspx?SessionID=DHY633&amp;PIN=1234</a:t>
+            </a:r>
+            <a:endParaRPr lang="zh-CN" altLang="en-US" sz="1400"/>
           </a:p>
         </p:txBody>
       </p:sp>
     </p:spTree>
     <p:extLst>
       <p:ext uri="{BB962C8B-B14F-4D97-AF65-F5344CB8AC3E}">
-        <p14:creationId xmlns:p14="http://schemas.microsoft.com/office/powerpoint/2010/main" val="3814350127"/>
+        <p14:creationId xmlns:p14="http://schemas.microsoft.com/office/powerpoint/2010/main" val="2556456426"/>
       </p:ext>
     </p:extLst>
   </p:cSld>
   <p:clrMapOvr>
     <a:masterClrMapping/>
   </p:clrMapOvr>
-  <mc:AlternateContent xmlns:mc="http://schemas.openxmlformats.org/markup-compatibility/2006">
-    <mc:Choice xmlns:p14="http://schemas.microsoft.com/office/powerpoint/2010/main" Requires="p14">
-      <p:transition spd="slow" p14:dur="2000" advTm="3000"/>
-    </mc:Choice>
-    <mc:Fallback>
-      <p:transition spd="slow" advTm="3000"/>
-    </mc:Fallback>
-  </mc:AlternateContent>
 </p:sld>
 </file>
 
@@ -3296,10 +3413,10 @@
           <a:lstStyle/>
           <a:p>
             <a:r>
-              <a:rPr lang="en-US" altLang="zh-CN"/>
+              <a:rPr lang="en-US" altLang="zh-CN" dirty="0"/>
               <a:t>Human Or PC </a:t>
             </a:r>
-            <a:endParaRPr lang="zh-CN" altLang="en-US"/>
+            <a:endParaRPr lang="zh-CN" altLang="en-US" dirty="0"/>
           </a:p>
         </p:txBody>
       </p:sp>
@@ -3334,7 +3451,7 @@
             </a:pPr>
             <a:r>
               <a:rPr lang="en-US" altLang="zh-CN" dirty="0"/>
-              <a:t>human</a:t>
+              <a:t>Human</a:t>
             </a:r>
           </a:p>
           <a:p>
@@ -3343,8 +3460,8 @@
               <a:buAutoNum type="arabicPeriod"/>
             </a:pPr>
             <a:r>
-              <a:rPr lang="en-US" altLang="zh-CN" dirty="0" err="1"/>
-              <a:t>pC</a:t>
+              <a:rPr lang="en-US" altLang="zh-CN" dirty="0"/>
+              <a:t>PC</a:t>
             </a:r>
             <a:endParaRPr lang="zh-CN" altLang="en-US" dirty="0"/>
           </a:p>
@@ -3363,7 +3480,7 @@
           </p:nvPr>
         </p:nvPicPr>
         <p:blipFill>
-          <a:blip r:embed="rId5">
+          <a:blip r:embed="rId6">
             <a:extLst>
               <a:ext uri="{28A0092B-C50C-407E-A947-70E740481C1C}">
                 <a14:useLocalDpi xmlns:a14="http://schemas.microsoft.com/office/drawing/2010/main" val="0"/>
@@ -3453,11 +3570,6 @@
               </a:rPr>
               <a:t>，然后投票。</a:t>
             </a:r>
-            <a:endParaRPr lang="zh-CN" altLang="en-US">
-              <a:solidFill>
-                <a:srgbClr val="FFFFFF"/>
-              </a:solidFill>
-            </a:endParaRPr>
           </a:p>
         </p:txBody>
       </p:sp>
@@ -3470,7 +3582,7 @@
           <p:nvPr/>
         </p:nvPicPr>
         <p:blipFill>
-          <a:blip r:embed="rId6">
+          <a:blip r:embed="rId7">
             <a:extLst>
               <a:ext uri="{28A0092B-C50C-407E-A947-70E740481C1C}">
                 <a14:useLocalDpi xmlns:a14="http://schemas.microsoft.com/office/drawing/2010/main" val="0"/>
@@ -3491,6 +3603,46 @@
           </a:prstGeom>
         </p:spPr>
       </p:pic>
+      <p:sp>
+        <p:nvSpPr>
+          <p:cNvPr id="28" name="文本框 27"/>
+          <p:cNvSpPr txBox="1"/>
+          <p:nvPr>
+            <p:custDataLst>
+              <p:tags r:id="rId4"/>
+            </p:custDataLst>
+          </p:nvPr>
+        </p:nvSpPr>
+        <p:spPr>
+          <a:xfrm>
+            <a:off x="315426" y="4721828"/>
+            <a:ext cx="914400" cy="1328928"/>
+          </a:xfrm>
+          <a:prstGeom prst="rect">
+            <a:avLst/>
+          </a:prstGeom>
+          <a:blipFill>
+            <a:blip r:embed="rId8"/>
+            <a:stretch>
+              <a:fillRect/>
+            </a:stretch>
+          </a:blipFill>
+        </p:spPr>
+        <p:txBody>
+          <a:bodyPr vert="horz" rtlCol="0" anchor="ctr">
+            <a:noAutofit/>
+          </a:bodyPr>
+          <a:lstStyle/>
+          <a:p>
+            <a:pPr algn="ctr"/>
+            <a:r>
+              <a:rPr lang="en-US" altLang="zh-CN" sz="2400"/>
+              <a:t>0</a:t>
+            </a:r>
+            <a:endParaRPr lang="zh-CN" altLang="en-US" sz="2400" dirty="0"/>
+          </a:p>
+        </p:txBody>
+      </p:sp>
     </p:spTree>
     <p:extLst>
       <p:ext uri="{BB962C8B-B14F-4D97-AF65-F5344CB8AC3E}">
@@ -3501,14 +3653,6 @@
   <p:clrMapOvr>
     <a:masterClrMapping/>
   </p:clrMapOvr>
-  <mc:AlternateContent xmlns:mc="http://schemas.openxmlformats.org/markup-compatibility/2006">
-    <mc:Choice xmlns:p14="http://schemas.microsoft.com/office/powerpoint/2010/main" Requires="p14">
-      <p:transition spd="slow" p14:dur="2000" advTm="1000"/>
-    </mc:Choice>
-    <mc:Fallback>
-      <p:transition spd="slow" advTm="1000"/>
-    </mc:Fallback>
-  </mc:AlternateContent>
 </p:sld>
 </file>
 
@@ -3551,49 +3695,7 @@
           <a:p>
             <a:r>
               <a:rPr lang="en-US" altLang="zh-CN"/>
-              <a:t>Human OR PC 2 </a:t>
-            </a:r>
-            <a:endParaRPr lang="zh-CN" altLang="en-US"/>
-          </a:p>
-        </p:txBody>
-      </p:sp>
-      <p:sp>
-        <p:nvSpPr>
-          <p:cNvPr id="3" name="文本占位符 2"/>
-          <p:cNvSpPr>
-            <a:spLocks noGrp="1"/>
-          </p:cNvSpPr>
-          <p:nvPr>
-            <p:ph type="body" sz="half" idx="1"/>
-            <p:custDataLst>
-              <p:tags r:id="rId2"/>
-            </p:custDataLst>
-          </p:nvPr>
-        </p:nvSpPr>
-        <p:spPr/>
-        <p:txBody>
-          <a:bodyPr wrap="square">
-            <a:normAutofit/>
-          </a:bodyPr>
-          <a:lstStyle/>
-          <a:p>
-            <a:pPr marL="514350" indent="-514350">
-              <a:buFont typeface="Arial" panose="020B0604020202020204" pitchFamily="34" charset="0"/>
-              <a:buAutoNum type="arabicPeriod"/>
-            </a:pPr>
-            <a:r>
-              <a:rPr lang="en-US" altLang="zh-CN"/>
-              <a:t>Human</a:t>
-            </a:r>
-          </a:p>
-          <a:p>
-            <a:pPr marL="514350" indent="-514350">
-              <a:buFont typeface="Arial" panose="020B0604020202020204" pitchFamily="34" charset="0"/>
-              <a:buAutoNum type="arabicPeriod"/>
-            </a:pPr>
-            <a:r>
-              <a:rPr lang="en-US" altLang="zh-CN"/>
-              <a:t>PC</a:t>
+              <a:t>Human Or PC </a:t>
             </a:r>
             <a:endParaRPr lang="zh-CN" altLang="en-US"/>
           </a:p>
@@ -3607,12 +3709,12 @@
           </p:cNvPicPr>
           <p:nvPr>
             <p:custDataLst>
-              <p:tags r:id="rId3"/>
+              <p:tags r:id="rId2"/>
             </p:custDataLst>
           </p:nvPr>
         </p:nvPicPr>
         <p:blipFill>
-          <a:blip r:embed="rId5">
+          <a:blip r:embed="rId6">
             <a:extLst>
               <a:ext uri="{28A0092B-C50C-407E-A947-70E740481C1C}">
                 <a14:useLocalDpi xmlns:a14="http://schemas.microsoft.com/office/drawing/2010/main" val="0"/>
@@ -3702,21 +3804,379 @@
               </a:rPr>
               <a:t>，然后投票。</a:t>
             </a:r>
-            <a:endParaRPr lang="zh-CN" altLang="en-US">
-              <a:solidFill>
-                <a:srgbClr val="FFFFFF"/>
-              </a:solidFill>
-            </a:endParaRPr>
           </a:p>
         </p:txBody>
       </p:sp>
       <p:pic>
         <p:nvPicPr>
-          <p:cNvPr id="8" name="图片 7"/>
+          <p:cNvPr id="13" name="图片 12"/>
           <p:cNvPicPr>
             <a:picLocks noChangeAspect="1"/>
           </p:cNvPicPr>
           <p:nvPr/>
+        </p:nvPicPr>
+        <p:blipFill>
+          <a:blip r:embed="rId7">
+            <a:extLst>
+              <a:ext uri="{28A0092B-C50C-407E-A947-70E740481C1C}">
+                <a14:useLocalDpi xmlns:a14="http://schemas.microsoft.com/office/drawing/2010/main" val="0"/>
+              </a:ext>
+            </a:extLst>
+          </a:blip>
+          <a:stretch>
+            <a:fillRect/>
+          </a:stretch>
+        </p:blipFill>
+        <p:spPr>
+          <a:xfrm>
+            <a:off x="4457651" y="1558963"/>
+            <a:ext cx="2466975" cy="1847850"/>
+          </a:xfrm>
+          <a:prstGeom prst="rect">
+            <a:avLst/>
+          </a:prstGeom>
+        </p:spPr>
+      </p:pic>
+      <p:sp>
+        <p:nvSpPr>
+          <p:cNvPr id="12" name="文本占位符 11"/>
+          <p:cNvSpPr>
+            <a:spLocks noGrp="1"/>
+          </p:cNvSpPr>
+          <p:nvPr>
+            <p:ph type="body" sz="half" idx="1"/>
+          </p:nvPr>
+        </p:nvSpPr>
+        <p:spPr/>
+        <p:txBody>
+          <a:bodyPr/>
+          <a:lstStyle/>
+          <a:p>
+            <a:endParaRPr lang="zh-CN" altLang="en-US" dirty="0"/>
+          </a:p>
+        </p:txBody>
+      </p:sp>
+      <p:sp>
+        <p:nvSpPr>
+          <p:cNvPr id="20" name="文本占位符 2"/>
+          <p:cNvSpPr txBox="1">
+            <a:spLocks/>
+          </p:cNvSpPr>
+          <p:nvPr>
+            <p:custDataLst>
+              <p:tags r:id="rId3"/>
+            </p:custDataLst>
+          </p:nvPr>
+        </p:nvSpPr>
+        <p:spPr>
+          <a:xfrm>
+            <a:off x="3505199" y="3875087"/>
+            <a:ext cx="5181600" cy="4351338"/>
+          </a:xfrm>
+          <a:prstGeom prst="rect">
+            <a:avLst/>
+          </a:prstGeom>
+        </p:spPr>
+        <p:txBody>
+          <a:bodyPr vert="horz" wrap="square" lIns="91440" tIns="45720" rIns="91440" bIns="45720" rtlCol="0">
+            <a:normAutofit/>
+          </a:bodyPr>
+          <a:lstStyle>
+            <a:lvl1pPr marL="228600" indent="-228600" algn="l" defTabSz="914400" rtl="0" eaLnBrk="1" latinLnBrk="0" hangingPunct="1">
+              <a:lnSpc>
+                <a:spcPct val="90000"/>
+              </a:lnSpc>
+              <a:spcBef>
+                <a:spcPts val="1000"/>
+              </a:spcBef>
+              <a:buFont typeface="Arial" panose="020B0604020202020204" pitchFamily="34" charset="0"/>
+              <a:buChar char="•"/>
+              <a:defRPr sz="2800" kern="1200">
+                <a:solidFill>
+                  <a:schemeClr val="tx1"/>
+                </a:solidFill>
+                <a:latin typeface="+mn-lt"/>
+                <a:ea typeface="+mn-ea"/>
+                <a:cs typeface="+mn-cs"/>
+              </a:defRPr>
+            </a:lvl1pPr>
+            <a:lvl2pPr marL="685800" indent="-228600" algn="l" defTabSz="914400" rtl="0" eaLnBrk="1" latinLnBrk="0" hangingPunct="1">
+              <a:lnSpc>
+                <a:spcPct val="90000"/>
+              </a:lnSpc>
+              <a:spcBef>
+                <a:spcPts val="500"/>
+              </a:spcBef>
+              <a:buFont typeface="Arial" panose="020B0604020202020204" pitchFamily="34" charset="0"/>
+              <a:buChar char="•"/>
+              <a:defRPr sz="2400" kern="1200">
+                <a:solidFill>
+                  <a:schemeClr val="tx1"/>
+                </a:solidFill>
+                <a:latin typeface="+mn-lt"/>
+                <a:ea typeface="+mn-ea"/>
+                <a:cs typeface="+mn-cs"/>
+              </a:defRPr>
+            </a:lvl2pPr>
+            <a:lvl3pPr marL="1143000" indent="-228600" algn="l" defTabSz="914400" rtl="0" eaLnBrk="1" latinLnBrk="0" hangingPunct="1">
+              <a:lnSpc>
+                <a:spcPct val="90000"/>
+              </a:lnSpc>
+              <a:spcBef>
+                <a:spcPts val="500"/>
+              </a:spcBef>
+              <a:buFont typeface="Arial" panose="020B0604020202020204" pitchFamily="34" charset="0"/>
+              <a:buChar char="•"/>
+              <a:defRPr sz="2000" kern="1200">
+                <a:solidFill>
+                  <a:schemeClr val="tx1"/>
+                </a:solidFill>
+                <a:latin typeface="+mn-lt"/>
+                <a:ea typeface="+mn-ea"/>
+                <a:cs typeface="+mn-cs"/>
+              </a:defRPr>
+            </a:lvl3pPr>
+            <a:lvl4pPr marL="1600200" indent="-228600" algn="l" defTabSz="914400" rtl="0" eaLnBrk="1" latinLnBrk="0" hangingPunct="1">
+              <a:lnSpc>
+                <a:spcPct val="90000"/>
+              </a:lnSpc>
+              <a:spcBef>
+                <a:spcPts val="500"/>
+              </a:spcBef>
+              <a:buFont typeface="Arial" panose="020B0604020202020204" pitchFamily="34" charset="0"/>
+              <a:buChar char="•"/>
+              <a:defRPr sz="1800" kern="1200">
+                <a:solidFill>
+                  <a:schemeClr val="tx1"/>
+                </a:solidFill>
+                <a:latin typeface="+mn-lt"/>
+                <a:ea typeface="+mn-ea"/>
+                <a:cs typeface="+mn-cs"/>
+              </a:defRPr>
+            </a:lvl4pPr>
+            <a:lvl5pPr marL="2057400" indent="-228600" algn="l" defTabSz="914400" rtl="0" eaLnBrk="1" latinLnBrk="0" hangingPunct="1">
+              <a:lnSpc>
+                <a:spcPct val="90000"/>
+              </a:lnSpc>
+              <a:spcBef>
+                <a:spcPts val="500"/>
+              </a:spcBef>
+              <a:buFont typeface="Arial" panose="020B0604020202020204" pitchFamily="34" charset="0"/>
+              <a:buChar char="•"/>
+              <a:defRPr sz="1800" kern="1200">
+                <a:solidFill>
+                  <a:schemeClr val="tx1"/>
+                </a:solidFill>
+                <a:latin typeface="+mn-lt"/>
+                <a:ea typeface="+mn-ea"/>
+                <a:cs typeface="+mn-cs"/>
+              </a:defRPr>
+            </a:lvl5pPr>
+            <a:lvl6pPr marL="2514600" indent="-228600" algn="l" defTabSz="914400" rtl="0" eaLnBrk="1" latinLnBrk="0" hangingPunct="1">
+              <a:lnSpc>
+                <a:spcPct val="90000"/>
+              </a:lnSpc>
+              <a:spcBef>
+                <a:spcPts val="500"/>
+              </a:spcBef>
+              <a:buFont typeface="Arial" panose="020B0604020202020204" pitchFamily="34" charset="0"/>
+              <a:buChar char="•"/>
+              <a:defRPr sz="1800" kern="1200">
+                <a:solidFill>
+                  <a:schemeClr val="tx1"/>
+                </a:solidFill>
+                <a:latin typeface="+mn-lt"/>
+                <a:ea typeface="+mn-ea"/>
+                <a:cs typeface="+mn-cs"/>
+              </a:defRPr>
+            </a:lvl6pPr>
+            <a:lvl7pPr marL="2971800" indent="-228600" algn="l" defTabSz="914400" rtl="0" eaLnBrk="1" latinLnBrk="0" hangingPunct="1">
+              <a:lnSpc>
+                <a:spcPct val="90000"/>
+              </a:lnSpc>
+              <a:spcBef>
+                <a:spcPts val="500"/>
+              </a:spcBef>
+              <a:buFont typeface="Arial" panose="020B0604020202020204" pitchFamily="34" charset="0"/>
+              <a:buChar char="•"/>
+              <a:defRPr sz="1800" kern="1200">
+                <a:solidFill>
+                  <a:schemeClr val="tx1"/>
+                </a:solidFill>
+                <a:latin typeface="+mn-lt"/>
+                <a:ea typeface="+mn-ea"/>
+                <a:cs typeface="+mn-cs"/>
+              </a:defRPr>
+            </a:lvl7pPr>
+            <a:lvl8pPr marL="3429000" indent="-228600" algn="l" defTabSz="914400" rtl="0" eaLnBrk="1" latinLnBrk="0" hangingPunct="1">
+              <a:lnSpc>
+                <a:spcPct val="90000"/>
+              </a:lnSpc>
+              <a:spcBef>
+                <a:spcPts val="500"/>
+              </a:spcBef>
+              <a:buFont typeface="Arial" panose="020B0604020202020204" pitchFamily="34" charset="0"/>
+              <a:buChar char="•"/>
+              <a:defRPr sz="1800" kern="1200">
+                <a:solidFill>
+                  <a:schemeClr val="tx1"/>
+                </a:solidFill>
+                <a:latin typeface="+mn-lt"/>
+                <a:ea typeface="+mn-ea"/>
+                <a:cs typeface="+mn-cs"/>
+              </a:defRPr>
+            </a:lvl8pPr>
+            <a:lvl9pPr marL="3886200" indent="-228600" algn="l" defTabSz="914400" rtl="0" eaLnBrk="1" latinLnBrk="0" hangingPunct="1">
+              <a:lnSpc>
+                <a:spcPct val="90000"/>
+              </a:lnSpc>
+              <a:spcBef>
+                <a:spcPts val="500"/>
+              </a:spcBef>
+              <a:buFont typeface="Arial" panose="020B0604020202020204" pitchFamily="34" charset="0"/>
+              <a:buChar char="•"/>
+              <a:defRPr sz="1800" kern="1200">
+                <a:solidFill>
+                  <a:schemeClr val="tx1"/>
+                </a:solidFill>
+                <a:latin typeface="+mn-lt"/>
+                <a:ea typeface="+mn-ea"/>
+                <a:cs typeface="+mn-cs"/>
+              </a:defRPr>
+            </a:lvl9pPr>
+          </a:lstStyle>
+          <a:p>
+            <a:pPr marL="514350" indent="-514350">
+              <a:buFont typeface="Arial" panose="020B0604020202020204" pitchFamily="34" charset="0"/>
+              <a:buAutoNum type="arabicPeriod"/>
+            </a:pPr>
+            <a:r>
+              <a:rPr lang="en-US" altLang="zh-CN"/>
+              <a:t>Human</a:t>
+            </a:r>
+          </a:p>
+          <a:p>
+            <a:pPr marL="514350" indent="-514350">
+              <a:buFont typeface="Arial" panose="020B0604020202020204" pitchFamily="34" charset="0"/>
+              <a:buAutoNum type="arabicPeriod"/>
+            </a:pPr>
+            <a:r>
+              <a:rPr lang="en-US" altLang="zh-CN"/>
+              <a:t>PC</a:t>
+            </a:r>
+            <a:endParaRPr lang="zh-CN" altLang="en-US" dirty="0"/>
+          </a:p>
+        </p:txBody>
+      </p:sp>
+      <p:sp>
+        <p:nvSpPr>
+          <p:cNvPr id="23" name="文本框 22"/>
+          <p:cNvSpPr txBox="1"/>
+          <p:nvPr>
+            <p:custDataLst>
+              <p:tags r:id="rId4"/>
+            </p:custDataLst>
+          </p:nvPr>
+        </p:nvSpPr>
+        <p:spPr>
+          <a:xfrm>
+            <a:off x="381000" y="4843272"/>
+            <a:ext cx="914400" cy="1328928"/>
+          </a:xfrm>
+          <a:prstGeom prst="rect">
+            <a:avLst/>
+          </a:prstGeom>
+          <a:blipFill>
+            <a:blip r:embed="rId8"/>
+            <a:stretch>
+              <a:fillRect/>
+            </a:stretch>
+          </a:blipFill>
+        </p:spPr>
+        <p:txBody>
+          <a:bodyPr vert="horz" rtlCol="0" anchor="ctr">
+            <a:noAutofit/>
+          </a:bodyPr>
+          <a:lstStyle/>
+          <a:p>
+            <a:pPr algn="ctr"/>
+            <a:r>
+              <a:rPr lang="en-US" altLang="zh-CN" sz="2400"/>
+              <a:t>0</a:t>
+            </a:r>
+            <a:endParaRPr lang="zh-CN" altLang="en-US" sz="2400" dirty="0"/>
+          </a:p>
+        </p:txBody>
+      </p:sp>
+    </p:spTree>
+    <p:extLst>
+      <p:ext uri="{BB962C8B-B14F-4D97-AF65-F5344CB8AC3E}">
+        <p14:creationId xmlns:p14="http://schemas.microsoft.com/office/powerpoint/2010/main" val="3179757571"/>
+      </p:ext>
+    </p:extLst>
+  </p:cSld>
+  <p:clrMapOvr>
+    <a:masterClrMapping/>
+  </p:clrMapOvr>
+</p:sld>
+</file>
+
+<file path=ppt/slides/slide4.xml><?xml version="1.0" encoding="utf-8"?>
+<p:sld xmlns:a="http://schemas.openxmlformats.org/drawingml/2006/main" xmlns:r="http://schemas.openxmlformats.org/officeDocument/2006/relationships" xmlns:p="http://schemas.openxmlformats.org/presentationml/2006/main">
+  <p:cSld>
+    <p:spTree>
+      <p:nvGrpSpPr>
+        <p:cNvPr id="1" name=""/>
+        <p:cNvGrpSpPr/>
+        <p:nvPr/>
+      </p:nvGrpSpPr>
+      <p:grpSpPr>
+        <a:xfrm>
+          <a:off x="0" y="0"/>
+          <a:ext cx="0" cy="0"/>
+          <a:chOff x="0" y="0"/>
+          <a:chExt cx="0" cy="0"/>
+        </a:xfrm>
+      </p:grpSpPr>
+      <p:sp>
+        <p:nvSpPr>
+          <p:cNvPr id="2" name="标题 1"/>
+          <p:cNvSpPr>
+            <a:spLocks noGrp="1"/>
+          </p:cNvSpPr>
+          <p:nvPr>
+            <p:ph type="title"/>
+            <p:custDataLst>
+              <p:tags r:id="rId1"/>
+            </p:custDataLst>
+          </p:nvPr>
+        </p:nvSpPr>
+        <p:spPr/>
+        <p:txBody>
+          <a:bodyPr wrap="square">
+            <a:normAutofit/>
+          </a:bodyPr>
+          <a:lstStyle/>
+          <a:p>
+            <a:r>
+              <a:rPr lang="en-US" altLang="zh-CN"/>
+              <a:t>Human Or PC </a:t>
+            </a:r>
+            <a:endParaRPr lang="zh-CN" altLang="en-US"/>
+          </a:p>
+        </p:txBody>
+      </p:sp>
+      <p:pic>
+        <p:nvPicPr>
+          <p:cNvPr id="6" name="图片 5"/>
+          <p:cNvPicPr>
+            <a:picLocks noChangeAspect="1"/>
+          </p:cNvPicPr>
+          <p:nvPr>
+            <p:custDataLst>
+              <p:tags r:id="rId2"/>
+            </p:custDataLst>
+          </p:nvPr>
         </p:nvPicPr>
         <p:blipFill>
           <a:blip r:embed="rId6">
@@ -3732,7 +4192,109 @@
         </p:blipFill>
         <p:spPr>
           <a:xfrm>
-            <a:off x="4862512" y="2153444"/>
+            <a:off x="11226165" y="6050756"/>
+            <a:ext cx="600075" cy="601504"/>
+          </a:xfrm>
+          <a:prstGeom prst="rect">
+            <a:avLst/>
+          </a:prstGeom>
+        </p:spPr>
+      </p:pic>
+      <p:sp>
+        <p:nvSpPr>
+          <p:cNvPr id="7" name="文本框 6"/>
+          <p:cNvSpPr txBox="1"/>
+          <p:nvPr/>
+        </p:nvSpPr>
+        <p:spPr>
+          <a:xfrm>
+            <a:off x="0" y="6172200"/>
+            <a:ext cx="10363200" cy="514350"/>
+          </a:xfrm>
+          <a:prstGeom prst="rect">
+            <a:avLst/>
+          </a:prstGeom>
+          <a:pattFill>
+            <a:fgClr>
+              <a:srgbClr val="1F4E79"/>
+            </a:fgClr>
+            <a:bgClr>
+              <a:srgbClr val="1F4E79"/>
+            </a:bgClr>
+          </a:pattFill>
+        </p:spPr>
+        <p:txBody>
+          <a:bodyPr vert="horz" wrap="none" rtlCol="0" anchor="ctr">
+            <a:normAutofit/>
+          </a:bodyPr>
+          <a:lstStyle/>
+          <a:p>
+            <a:r>
+              <a:rPr lang="zh-CN" altLang="en-US">
+                <a:solidFill>
+                  <a:srgbClr val="FFFFFF"/>
+                </a:solidFill>
+              </a:rPr>
+              <a:t>  请访问</a:t>
+            </a:r>
+            <a:r>
+              <a:rPr lang="en-US" altLang="zh-CN">
+                <a:solidFill>
+                  <a:srgbClr val="FFFFFF"/>
+                </a:solidFill>
+              </a:rPr>
+              <a:t>http://www.rclickr.com</a:t>
+            </a:r>
+            <a:r>
+              <a:rPr lang="zh-CN" altLang="en-US">
+                <a:solidFill>
+                  <a:srgbClr val="FFFFFF"/>
+                </a:solidFill>
+              </a:rPr>
+              <a:t>并输入频道名称</a:t>
+            </a:r>
+            <a:r>
+              <a:rPr lang="en-US" altLang="zh-CN">
+                <a:solidFill>
+                  <a:srgbClr val="FFFFFF"/>
+                </a:solidFill>
+              </a:rPr>
+              <a:t>=DHY633</a:t>
+            </a:r>
+            <a:r>
+              <a:rPr lang="zh-CN" altLang="en-US">
+                <a:solidFill>
+                  <a:srgbClr val="FFFFFF"/>
+                </a:solidFill>
+              </a:rPr>
+              <a:t>，然后投票。</a:t>
+            </a:r>
+          </a:p>
+        </p:txBody>
+      </p:sp>
+      <p:pic>
+        <p:nvPicPr>
+          <p:cNvPr id="8" name="图片 7"/>
+          <p:cNvPicPr>
+            <a:picLocks noChangeAspect="1"/>
+          </p:cNvPicPr>
+          <p:nvPr/>
+        </p:nvPicPr>
+        <p:blipFill>
+          <a:blip r:embed="rId7">
+            <a:extLst>
+              <a:ext uri="{28A0092B-C50C-407E-A947-70E740481C1C}">
+                <a14:useLocalDpi xmlns:a14="http://schemas.microsoft.com/office/drawing/2010/main" val="0"/>
+              </a:ext>
+            </a:extLst>
+          </a:blip>
+          <a:stretch>
+            <a:fillRect/>
+          </a:stretch>
+        </p:blipFill>
+        <p:spPr>
+          <a:xfrm>
+            <a:off x="4699537" y="1690688"/>
             <a:ext cx="2466975" cy="1847850"/>
           </a:xfrm>
           <a:prstGeom prst="rect">
@@ -3740,24 +4302,1217 @@
           </a:prstGeom>
         </p:spPr>
       </p:pic>
+      <p:sp>
+        <p:nvSpPr>
+          <p:cNvPr id="4" name="文本占位符 3"/>
+          <p:cNvSpPr>
+            <a:spLocks noGrp="1"/>
+          </p:cNvSpPr>
+          <p:nvPr>
+            <p:ph type="body" sz="half" idx="1"/>
+          </p:nvPr>
+        </p:nvSpPr>
+        <p:spPr/>
+        <p:txBody>
+          <a:bodyPr/>
+          <a:lstStyle/>
+          <a:p>
+            <a:endParaRPr lang="zh-CN" altLang="en-US"/>
+          </a:p>
+        </p:txBody>
+      </p:sp>
+      <p:sp>
+        <p:nvSpPr>
+          <p:cNvPr id="19" name="文本占位符 2"/>
+          <p:cNvSpPr txBox="1">
+            <a:spLocks/>
+          </p:cNvSpPr>
+          <p:nvPr>
+            <p:custDataLst>
+              <p:tags r:id="rId3"/>
+            </p:custDataLst>
+          </p:nvPr>
+        </p:nvSpPr>
+        <p:spPr>
+          <a:xfrm>
+            <a:off x="3505199" y="3875087"/>
+            <a:ext cx="5181600" cy="4351338"/>
+          </a:xfrm>
+          <a:prstGeom prst="rect">
+            <a:avLst/>
+          </a:prstGeom>
+        </p:spPr>
+        <p:txBody>
+          <a:bodyPr vert="horz" wrap="square" lIns="91440" tIns="45720" rIns="91440" bIns="45720" rtlCol="0">
+            <a:normAutofit/>
+          </a:bodyPr>
+          <a:lstStyle>
+            <a:lvl1pPr marL="228600" indent="-228600" algn="l" defTabSz="914400" rtl="0" eaLnBrk="1" latinLnBrk="0" hangingPunct="1">
+              <a:lnSpc>
+                <a:spcPct val="90000"/>
+              </a:lnSpc>
+              <a:spcBef>
+                <a:spcPts val="1000"/>
+              </a:spcBef>
+              <a:buFont typeface="Arial" panose="020B0604020202020204" pitchFamily="34" charset="0"/>
+              <a:buChar char="•"/>
+              <a:defRPr sz="2800" kern="1200">
+                <a:solidFill>
+                  <a:schemeClr val="tx1"/>
+                </a:solidFill>
+                <a:latin typeface="+mn-lt"/>
+                <a:ea typeface="+mn-ea"/>
+                <a:cs typeface="+mn-cs"/>
+              </a:defRPr>
+            </a:lvl1pPr>
+            <a:lvl2pPr marL="685800" indent="-228600" algn="l" defTabSz="914400" rtl="0" eaLnBrk="1" latinLnBrk="0" hangingPunct="1">
+              <a:lnSpc>
+                <a:spcPct val="90000"/>
+              </a:lnSpc>
+              <a:spcBef>
+                <a:spcPts val="500"/>
+              </a:spcBef>
+              <a:buFont typeface="Arial" panose="020B0604020202020204" pitchFamily="34" charset="0"/>
+              <a:buChar char="•"/>
+              <a:defRPr sz="2400" kern="1200">
+                <a:solidFill>
+                  <a:schemeClr val="tx1"/>
+                </a:solidFill>
+                <a:latin typeface="+mn-lt"/>
+                <a:ea typeface="+mn-ea"/>
+                <a:cs typeface="+mn-cs"/>
+              </a:defRPr>
+            </a:lvl2pPr>
+            <a:lvl3pPr marL="1143000" indent="-228600" algn="l" defTabSz="914400" rtl="0" eaLnBrk="1" latinLnBrk="0" hangingPunct="1">
+              <a:lnSpc>
+                <a:spcPct val="90000"/>
+              </a:lnSpc>
+              <a:spcBef>
+                <a:spcPts val="500"/>
+              </a:spcBef>
+              <a:buFont typeface="Arial" panose="020B0604020202020204" pitchFamily="34" charset="0"/>
+              <a:buChar char="•"/>
+              <a:defRPr sz="2000" kern="1200">
+                <a:solidFill>
+                  <a:schemeClr val="tx1"/>
+                </a:solidFill>
+                <a:latin typeface="+mn-lt"/>
+                <a:ea typeface="+mn-ea"/>
+                <a:cs typeface="+mn-cs"/>
+              </a:defRPr>
+            </a:lvl3pPr>
+            <a:lvl4pPr marL="1600200" indent="-228600" algn="l" defTabSz="914400" rtl="0" eaLnBrk="1" latinLnBrk="0" hangingPunct="1">
+              <a:lnSpc>
+                <a:spcPct val="90000"/>
+              </a:lnSpc>
+              <a:spcBef>
+                <a:spcPts val="500"/>
+              </a:spcBef>
+              <a:buFont typeface="Arial" panose="020B0604020202020204" pitchFamily="34" charset="0"/>
+              <a:buChar char="•"/>
+              <a:defRPr sz="1800" kern="1200">
+                <a:solidFill>
+                  <a:schemeClr val="tx1"/>
+                </a:solidFill>
+                <a:latin typeface="+mn-lt"/>
+                <a:ea typeface="+mn-ea"/>
+                <a:cs typeface="+mn-cs"/>
+              </a:defRPr>
+            </a:lvl4pPr>
+            <a:lvl5pPr marL="2057400" indent="-228600" algn="l" defTabSz="914400" rtl="0" eaLnBrk="1" latinLnBrk="0" hangingPunct="1">
+              <a:lnSpc>
+                <a:spcPct val="90000"/>
+              </a:lnSpc>
+              <a:spcBef>
+                <a:spcPts val="500"/>
+              </a:spcBef>
+              <a:buFont typeface="Arial" panose="020B0604020202020204" pitchFamily="34" charset="0"/>
+              <a:buChar char="•"/>
+              <a:defRPr sz="1800" kern="1200">
+                <a:solidFill>
+                  <a:schemeClr val="tx1"/>
+                </a:solidFill>
+                <a:latin typeface="+mn-lt"/>
+                <a:ea typeface="+mn-ea"/>
+                <a:cs typeface="+mn-cs"/>
+              </a:defRPr>
+            </a:lvl5pPr>
+            <a:lvl6pPr marL="2514600" indent="-228600" algn="l" defTabSz="914400" rtl="0" eaLnBrk="1" latinLnBrk="0" hangingPunct="1">
+              <a:lnSpc>
+                <a:spcPct val="90000"/>
+              </a:lnSpc>
+              <a:spcBef>
+                <a:spcPts val="500"/>
+              </a:spcBef>
+              <a:buFont typeface="Arial" panose="020B0604020202020204" pitchFamily="34" charset="0"/>
+              <a:buChar char="•"/>
+              <a:defRPr sz="1800" kern="1200">
+                <a:solidFill>
+                  <a:schemeClr val="tx1"/>
+                </a:solidFill>
+                <a:latin typeface="+mn-lt"/>
+                <a:ea typeface="+mn-ea"/>
+                <a:cs typeface="+mn-cs"/>
+              </a:defRPr>
+            </a:lvl6pPr>
+            <a:lvl7pPr marL="2971800" indent="-228600" algn="l" defTabSz="914400" rtl="0" eaLnBrk="1" latinLnBrk="0" hangingPunct="1">
+              <a:lnSpc>
+                <a:spcPct val="90000"/>
+              </a:lnSpc>
+              <a:spcBef>
+                <a:spcPts val="500"/>
+              </a:spcBef>
+              <a:buFont typeface="Arial" panose="020B0604020202020204" pitchFamily="34" charset="0"/>
+              <a:buChar char="•"/>
+              <a:defRPr sz="1800" kern="1200">
+                <a:solidFill>
+                  <a:schemeClr val="tx1"/>
+                </a:solidFill>
+                <a:latin typeface="+mn-lt"/>
+                <a:ea typeface="+mn-ea"/>
+                <a:cs typeface="+mn-cs"/>
+              </a:defRPr>
+            </a:lvl7pPr>
+            <a:lvl8pPr marL="3429000" indent="-228600" algn="l" defTabSz="914400" rtl="0" eaLnBrk="1" latinLnBrk="0" hangingPunct="1">
+              <a:lnSpc>
+                <a:spcPct val="90000"/>
+              </a:lnSpc>
+              <a:spcBef>
+                <a:spcPts val="500"/>
+              </a:spcBef>
+              <a:buFont typeface="Arial" panose="020B0604020202020204" pitchFamily="34" charset="0"/>
+              <a:buChar char="•"/>
+              <a:defRPr sz="1800" kern="1200">
+                <a:solidFill>
+                  <a:schemeClr val="tx1"/>
+                </a:solidFill>
+                <a:latin typeface="+mn-lt"/>
+                <a:ea typeface="+mn-ea"/>
+                <a:cs typeface="+mn-cs"/>
+              </a:defRPr>
+            </a:lvl8pPr>
+            <a:lvl9pPr marL="3886200" indent="-228600" algn="l" defTabSz="914400" rtl="0" eaLnBrk="1" latinLnBrk="0" hangingPunct="1">
+              <a:lnSpc>
+                <a:spcPct val="90000"/>
+              </a:lnSpc>
+              <a:spcBef>
+                <a:spcPts val="500"/>
+              </a:spcBef>
+              <a:buFont typeface="Arial" panose="020B0604020202020204" pitchFamily="34" charset="0"/>
+              <a:buChar char="•"/>
+              <a:defRPr sz="1800" kern="1200">
+                <a:solidFill>
+                  <a:schemeClr val="tx1"/>
+                </a:solidFill>
+                <a:latin typeface="+mn-lt"/>
+                <a:ea typeface="+mn-ea"/>
+                <a:cs typeface="+mn-cs"/>
+              </a:defRPr>
+            </a:lvl9pPr>
+          </a:lstStyle>
+          <a:p>
+            <a:pPr marL="514350" indent="-514350">
+              <a:buFont typeface="Arial" panose="020B0604020202020204" pitchFamily="34" charset="0"/>
+              <a:buAutoNum type="arabicPeriod"/>
+            </a:pPr>
+            <a:r>
+              <a:rPr lang="en-US" altLang="zh-CN"/>
+              <a:t>Human</a:t>
+            </a:r>
+          </a:p>
+          <a:p>
+            <a:pPr marL="514350" indent="-514350">
+              <a:buFont typeface="Arial" panose="020B0604020202020204" pitchFamily="34" charset="0"/>
+              <a:buAutoNum type="arabicPeriod"/>
+            </a:pPr>
+            <a:r>
+              <a:rPr lang="en-US" altLang="zh-CN"/>
+              <a:t>PC</a:t>
+            </a:r>
+            <a:endParaRPr lang="zh-CN" altLang="en-US" dirty="0"/>
+          </a:p>
+        </p:txBody>
+      </p:sp>
+      <p:sp>
+        <p:nvSpPr>
+          <p:cNvPr id="21" name="文本框 20"/>
+          <p:cNvSpPr txBox="1"/>
+          <p:nvPr>
+            <p:custDataLst>
+              <p:tags r:id="rId4"/>
+            </p:custDataLst>
+          </p:nvPr>
+        </p:nvSpPr>
+        <p:spPr>
+          <a:xfrm>
+            <a:off x="381000" y="4843272"/>
+            <a:ext cx="914400" cy="1328928"/>
+          </a:xfrm>
+          <a:prstGeom prst="rect">
+            <a:avLst/>
+          </a:prstGeom>
+          <a:blipFill>
+            <a:blip r:embed="rId8"/>
+            <a:stretch>
+              <a:fillRect/>
+            </a:stretch>
+          </a:blipFill>
+        </p:spPr>
+        <p:txBody>
+          <a:bodyPr vert="horz" rtlCol="0" anchor="ctr">
+            <a:noAutofit/>
+          </a:bodyPr>
+          <a:lstStyle/>
+          <a:p>
+            <a:pPr algn="ctr"/>
+            <a:r>
+              <a:rPr lang="en-US" altLang="zh-CN" sz="2400"/>
+              <a:t>0</a:t>
+            </a:r>
+            <a:endParaRPr lang="zh-CN" altLang="en-US" sz="2400" dirty="0"/>
+          </a:p>
+        </p:txBody>
+      </p:sp>
     </p:spTree>
     <p:extLst>
       <p:ext uri="{BB962C8B-B14F-4D97-AF65-F5344CB8AC3E}">
-        <p14:creationId xmlns:p14="http://schemas.microsoft.com/office/powerpoint/2010/main" val="2808172522"/>
+        <p14:creationId xmlns:p14="http://schemas.microsoft.com/office/powerpoint/2010/main" val="1151874035"/>
       </p:ext>
     </p:extLst>
   </p:cSld>
   <p:clrMapOvr>
     <a:masterClrMapping/>
   </p:clrMapOvr>
-  <mc:AlternateContent xmlns:mc="http://schemas.openxmlformats.org/markup-compatibility/2006">
-    <mc:Choice xmlns:p14="http://schemas.microsoft.com/office/powerpoint/2010/main" Requires="p14">
-      <p:transition spd="slow" p14:dur="2000" advTm="2000"/>
-    </mc:Choice>
-    <mc:Fallback>
-      <p:transition spd="slow" advTm="2000"/>
-    </mc:Fallback>
-  </mc:AlternateContent>
+</p:sld>
+</file>
+
+<file path=ppt/slides/slide5.xml><?xml version="1.0" encoding="utf-8"?>
+<p:sld xmlns:a="http://schemas.openxmlformats.org/drawingml/2006/main" xmlns:r="http://schemas.openxmlformats.org/officeDocument/2006/relationships" xmlns:p="http://schemas.openxmlformats.org/presentationml/2006/main">
+  <p:cSld>
+    <p:spTree>
+      <p:nvGrpSpPr>
+        <p:cNvPr id="1" name=""/>
+        <p:cNvGrpSpPr/>
+        <p:nvPr/>
+      </p:nvGrpSpPr>
+      <p:grpSpPr>
+        <a:xfrm>
+          <a:off x="0" y="0"/>
+          <a:ext cx="0" cy="0"/>
+          <a:chOff x="0" y="0"/>
+          <a:chExt cx="0" cy="0"/>
+        </a:xfrm>
+      </p:grpSpPr>
+      <p:sp>
+        <p:nvSpPr>
+          <p:cNvPr id="2" name="标题 1"/>
+          <p:cNvSpPr>
+            <a:spLocks noGrp="1"/>
+          </p:cNvSpPr>
+          <p:nvPr>
+            <p:ph type="title"/>
+            <p:custDataLst>
+              <p:tags r:id="rId1"/>
+            </p:custDataLst>
+          </p:nvPr>
+        </p:nvSpPr>
+        <p:spPr/>
+        <p:txBody>
+          <a:bodyPr wrap="square">
+            <a:normAutofit/>
+          </a:bodyPr>
+          <a:lstStyle/>
+          <a:p>
+            <a:r>
+              <a:rPr lang="en-US" altLang="zh-CN"/>
+              <a:t>Human Or PC </a:t>
+            </a:r>
+            <a:endParaRPr lang="zh-CN" altLang="en-US"/>
+          </a:p>
+        </p:txBody>
+      </p:sp>
+      <p:pic>
+        <p:nvPicPr>
+          <p:cNvPr id="6" name="图片 5"/>
+          <p:cNvPicPr>
+            <a:picLocks noChangeAspect="1"/>
+          </p:cNvPicPr>
+          <p:nvPr>
+            <p:custDataLst>
+              <p:tags r:id="rId2"/>
+            </p:custDataLst>
+          </p:nvPr>
+        </p:nvPicPr>
+        <p:blipFill>
+          <a:blip r:embed="rId6">
+            <a:extLst>
+              <a:ext uri="{28A0092B-C50C-407E-A947-70E740481C1C}">
+                <a14:useLocalDpi xmlns:a14="http://schemas.microsoft.com/office/drawing/2010/main" val="0"/>
+              </a:ext>
+            </a:extLst>
+          </a:blip>
+          <a:stretch>
+            <a:fillRect/>
+          </a:stretch>
+        </p:blipFill>
+        <p:spPr>
+          <a:xfrm>
+            <a:off x="11226165" y="6050756"/>
+            <a:ext cx="600075" cy="601504"/>
+          </a:xfrm>
+          <a:prstGeom prst="rect">
+            <a:avLst/>
+          </a:prstGeom>
+        </p:spPr>
+      </p:pic>
+      <p:sp>
+        <p:nvSpPr>
+          <p:cNvPr id="7" name="文本框 6"/>
+          <p:cNvSpPr txBox="1"/>
+          <p:nvPr/>
+        </p:nvSpPr>
+        <p:spPr>
+          <a:xfrm>
+            <a:off x="0" y="6172200"/>
+            <a:ext cx="10363200" cy="514350"/>
+          </a:xfrm>
+          <a:prstGeom prst="rect">
+            <a:avLst/>
+          </a:prstGeom>
+          <a:pattFill>
+            <a:fgClr>
+              <a:srgbClr val="1F4E79"/>
+            </a:fgClr>
+            <a:bgClr>
+              <a:srgbClr val="1F4E79"/>
+            </a:bgClr>
+          </a:pattFill>
+        </p:spPr>
+        <p:txBody>
+          <a:bodyPr vert="horz" wrap="none" rtlCol="0" anchor="ctr">
+            <a:normAutofit/>
+          </a:bodyPr>
+          <a:lstStyle/>
+          <a:p>
+            <a:r>
+              <a:rPr lang="zh-CN" altLang="en-US">
+                <a:solidFill>
+                  <a:srgbClr val="FFFFFF"/>
+                </a:solidFill>
+              </a:rPr>
+              <a:t>  请访问</a:t>
+            </a:r>
+            <a:r>
+              <a:rPr lang="en-US" altLang="zh-CN">
+                <a:solidFill>
+                  <a:srgbClr val="FFFFFF"/>
+                </a:solidFill>
+              </a:rPr>
+              <a:t>http://www.rclickr.com</a:t>
+            </a:r>
+            <a:r>
+              <a:rPr lang="zh-CN" altLang="en-US">
+                <a:solidFill>
+                  <a:srgbClr val="FFFFFF"/>
+                </a:solidFill>
+              </a:rPr>
+              <a:t>并输入频道名称</a:t>
+            </a:r>
+            <a:r>
+              <a:rPr lang="en-US" altLang="zh-CN">
+                <a:solidFill>
+                  <a:srgbClr val="FFFFFF"/>
+                </a:solidFill>
+              </a:rPr>
+              <a:t>=DHY633</a:t>
+            </a:r>
+            <a:r>
+              <a:rPr lang="zh-CN" altLang="en-US">
+                <a:solidFill>
+                  <a:srgbClr val="FFFFFF"/>
+                </a:solidFill>
+              </a:rPr>
+              <a:t>，然后投票。</a:t>
+            </a:r>
+          </a:p>
+        </p:txBody>
+      </p:sp>
+      <p:pic>
+        <p:nvPicPr>
+          <p:cNvPr id="8" name="图片 7"/>
+          <p:cNvPicPr>
+            <a:picLocks noChangeAspect="1"/>
+          </p:cNvPicPr>
+          <p:nvPr/>
+        </p:nvPicPr>
+        <p:blipFill>
+          <a:blip r:embed="rId7">
+            <a:extLst>
+              <a:ext uri="{28A0092B-C50C-407E-A947-70E740481C1C}">
+                <a14:useLocalDpi xmlns:a14="http://schemas.microsoft.com/office/drawing/2010/main" val="0"/>
+              </a:ext>
+            </a:extLst>
+          </a:blip>
+          <a:stretch>
+            <a:fillRect/>
+          </a:stretch>
+        </p:blipFill>
+        <p:spPr>
+          <a:xfrm>
+            <a:off x="4728428" y="1576869"/>
+            <a:ext cx="2466975" cy="1847850"/>
+          </a:xfrm>
+          <a:prstGeom prst="rect">
+            <a:avLst/>
+          </a:prstGeom>
+        </p:spPr>
+      </p:pic>
+      <p:sp>
+        <p:nvSpPr>
+          <p:cNvPr id="4" name="文本占位符 3"/>
+          <p:cNvSpPr>
+            <a:spLocks noGrp="1"/>
+          </p:cNvSpPr>
+          <p:nvPr>
+            <p:ph type="body" sz="half" idx="1"/>
+          </p:nvPr>
+        </p:nvSpPr>
+        <p:spPr/>
+        <p:txBody>
+          <a:bodyPr/>
+          <a:lstStyle/>
+          <a:p>
+            <a:endParaRPr lang="zh-CN" altLang="en-US"/>
+          </a:p>
+        </p:txBody>
+      </p:sp>
+      <p:sp>
+        <p:nvSpPr>
+          <p:cNvPr id="15" name="文本占位符 2"/>
+          <p:cNvSpPr txBox="1">
+            <a:spLocks/>
+          </p:cNvSpPr>
+          <p:nvPr>
+            <p:custDataLst>
+              <p:tags r:id="rId3"/>
+            </p:custDataLst>
+          </p:nvPr>
+        </p:nvSpPr>
+        <p:spPr>
+          <a:xfrm>
+            <a:off x="3505199" y="3875087"/>
+            <a:ext cx="5181600" cy="4351338"/>
+          </a:xfrm>
+          <a:prstGeom prst="rect">
+            <a:avLst/>
+          </a:prstGeom>
+        </p:spPr>
+        <p:txBody>
+          <a:bodyPr vert="horz" wrap="square" lIns="91440" tIns="45720" rIns="91440" bIns="45720" rtlCol="0">
+            <a:normAutofit/>
+          </a:bodyPr>
+          <a:lstStyle>
+            <a:lvl1pPr marL="228600" indent="-228600" algn="l" defTabSz="914400" rtl="0" eaLnBrk="1" latinLnBrk="0" hangingPunct="1">
+              <a:lnSpc>
+                <a:spcPct val="90000"/>
+              </a:lnSpc>
+              <a:spcBef>
+                <a:spcPts val="1000"/>
+              </a:spcBef>
+              <a:buFont typeface="Arial" panose="020B0604020202020204" pitchFamily="34" charset="0"/>
+              <a:buChar char="•"/>
+              <a:defRPr sz="2800" kern="1200">
+                <a:solidFill>
+                  <a:schemeClr val="tx1"/>
+                </a:solidFill>
+                <a:latin typeface="+mn-lt"/>
+                <a:ea typeface="+mn-ea"/>
+                <a:cs typeface="+mn-cs"/>
+              </a:defRPr>
+            </a:lvl1pPr>
+            <a:lvl2pPr marL="685800" indent="-228600" algn="l" defTabSz="914400" rtl="0" eaLnBrk="1" latinLnBrk="0" hangingPunct="1">
+              <a:lnSpc>
+                <a:spcPct val="90000"/>
+              </a:lnSpc>
+              <a:spcBef>
+                <a:spcPts val="500"/>
+              </a:spcBef>
+              <a:buFont typeface="Arial" panose="020B0604020202020204" pitchFamily="34" charset="0"/>
+              <a:buChar char="•"/>
+              <a:defRPr sz="2400" kern="1200">
+                <a:solidFill>
+                  <a:schemeClr val="tx1"/>
+                </a:solidFill>
+                <a:latin typeface="+mn-lt"/>
+                <a:ea typeface="+mn-ea"/>
+                <a:cs typeface="+mn-cs"/>
+              </a:defRPr>
+            </a:lvl2pPr>
+            <a:lvl3pPr marL="1143000" indent="-228600" algn="l" defTabSz="914400" rtl="0" eaLnBrk="1" latinLnBrk="0" hangingPunct="1">
+              <a:lnSpc>
+                <a:spcPct val="90000"/>
+              </a:lnSpc>
+              <a:spcBef>
+                <a:spcPts val="500"/>
+              </a:spcBef>
+              <a:buFont typeface="Arial" panose="020B0604020202020204" pitchFamily="34" charset="0"/>
+              <a:buChar char="•"/>
+              <a:defRPr sz="2000" kern="1200">
+                <a:solidFill>
+                  <a:schemeClr val="tx1"/>
+                </a:solidFill>
+                <a:latin typeface="+mn-lt"/>
+                <a:ea typeface="+mn-ea"/>
+                <a:cs typeface="+mn-cs"/>
+              </a:defRPr>
+            </a:lvl3pPr>
+            <a:lvl4pPr marL="1600200" indent="-228600" algn="l" defTabSz="914400" rtl="0" eaLnBrk="1" latinLnBrk="0" hangingPunct="1">
+              <a:lnSpc>
+                <a:spcPct val="90000"/>
+              </a:lnSpc>
+              <a:spcBef>
+                <a:spcPts val="500"/>
+              </a:spcBef>
+              <a:buFont typeface="Arial" panose="020B0604020202020204" pitchFamily="34" charset="0"/>
+              <a:buChar char="•"/>
+              <a:defRPr sz="1800" kern="1200">
+                <a:solidFill>
+                  <a:schemeClr val="tx1"/>
+                </a:solidFill>
+                <a:latin typeface="+mn-lt"/>
+                <a:ea typeface="+mn-ea"/>
+                <a:cs typeface="+mn-cs"/>
+              </a:defRPr>
+            </a:lvl4pPr>
+            <a:lvl5pPr marL="2057400" indent="-228600" algn="l" defTabSz="914400" rtl="0" eaLnBrk="1" latinLnBrk="0" hangingPunct="1">
+              <a:lnSpc>
+                <a:spcPct val="90000"/>
+              </a:lnSpc>
+              <a:spcBef>
+                <a:spcPts val="500"/>
+              </a:spcBef>
+              <a:buFont typeface="Arial" panose="020B0604020202020204" pitchFamily="34" charset="0"/>
+              <a:buChar char="•"/>
+              <a:defRPr sz="1800" kern="1200">
+                <a:solidFill>
+                  <a:schemeClr val="tx1"/>
+                </a:solidFill>
+                <a:latin typeface="+mn-lt"/>
+                <a:ea typeface="+mn-ea"/>
+                <a:cs typeface="+mn-cs"/>
+              </a:defRPr>
+            </a:lvl5pPr>
+            <a:lvl6pPr marL="2514600" indent="-228600" algn="l" defTabSz="914400" rtl="0" eaLnBrk="1" latinLnBrk="0" hangingPunct="1">
+              <a:lnSpc>
+                <a:spcPct val="90000"/>
+              </a:lnSpc>
+              <a:spcBef>
+                <a:spcPts val="500"/>
+              </a:spcBef>
+              <a:buFont typeface="Arial" panose="020B0604020202020204" pitchFamily="34" charset="0"/>
+              <a:buChar char="•"/>
+              <a:defRPr sz="1800" kern="1200">
+                <a:solidFill>
+                  <a:schemeClr val="tx1"/>
+                </a:solidFill>
+                <a:latin typeface="+mn-lt"/>
+                <a:ea typeface="+mn-ea"/>
+                <a:cs typeface="+mn-cs"/>
+              </a:defRPr>
+            </a:lvl6pPr>
+            <a:lvl7pPr marL="2971800" indent="-228600" algn="l" defTabSz="914400" rtl="0" eaLnBrk="1" latinLnBrk="0" hangingPunct="1">
+              <a:lnSpc>
+                <a:spcPct val="90000"/>
+              </a:lnSpc>
+              <a:spcBef>
+                <a:spcPts val="500"/>
+              </a:spcBef>
+              <a:buFont typeface="Arial" panose="020B0604020202020204" pitchFamily="34" charset="0"/>
+              <a:buChar char="•"/>
+              <a:defRPr sz="1800" kern="1200">
+                <a:solidFill>
+                  <a:schemeClr val="tx1"/>
+                </a:solidFill>
+                <a:latin typeface="+mn-lt"/>
+                <a:ea typeface="+mn-ea"/>
+                <a:cs typeface="+mn-cs"/>
+              </a:defRPr>
+            </a:lvl7pPr>
+            <a:lvl8pPr marL="3429000" indent="-228600" algn="l" defTabSz="914400" rtl="0" eaLnBrk="1" latinLnBrk="0" hangingPunct="1">
+              <a:lnSpc>
+                <a:spcPct val="90000"/>
+              </a:lnSpc>
+              <a:spcBef>
+                <a:spcPts val="500"/>
+              </a:spcBef>
+              <a:buFont typeface="Arial" panose="020B0604020202020204" pitchFamily="34" charset="0"/>
+              <a:buChar char="•"/>
+              <a:defRPr sz="1800" kern="1200">
+                <a:solidFill>
+                  <a:schemeClr val="tx1"/>
+                </a:solidFill>
+                <a:latin typeface="+mn-lt"/>
+                <a:ea typeface="+mn-ea"/>
+                <a:cs typeface="+mn-cs"/>
+              </a:defRPr>
+            </a:lvl8pPr>
+            <a:lvl9pPr marL="3886200" indent="-228600" algn="l" defTabSz="914400" rtl="0" eaLnBrk="1" latinLnBrk="0" hangingPunct="1">
+              <a:lnSpc>
+                <a:spcPct val="90000"/>
+              </a:lnSpc>
+              <a:spcBef>
+                <a:spcPts val="500"/>
+              </a:spcBef>
+              <a:buFont typeface="Arial" panose="020B0604020202020204" pitchFamily="34" charset="0"/>
+              <a:buChar char="•"/>
+              <a:defRPr sz="1800" kern="1200">
+                <a:solidFill>
+                  <a:schemeClr val="tx1"/>
+                </a:solidFill>
+                <a:latin typeface="+mn-lt"/>
+                <a:ea typeface="+mn-ea"/>
+                <a:cs typeface="+mn-cs"/>
+              </a:defRPr>
+            </a:lvl9pPr>
+          </a:lstStyle>
+          <a:p>
+            <a:pPr marL="514350" indent="-514350">
+              <a:buFont typeface="Arial" panose="020B0604020202020204" pitchFamily="34" charset="0"/>
+              <a:buAutoNum type="arabicPeriod"/>
+            </a:pPr>
+            <a:r>
+              <a:rPr lang="en-US" altLang="zh-CN"/>
+              <a:t>Human</a:t>
+            </a:r>
+          </a:p>
+          <a:p>
+            <a:pPr marL="514350" indent="-514350">
+              <a:buFont typeface="Arial" panose="020B0604020202020204" pitchFamily="34" charset="0"/>
+              <a:buAutoNum type="arabicPeriod"/>
+            </a:pPr>
+            <a:r>
+              <a:rPr lang="en-US" altLang="zh-CN"/>
+              <a:t>PC</a:t>
+            </a:r>
+            <a:endParaRPr lang="zh-CN" altLang="en-US" dirty="0"/>
+          </a:p>
+        </p:txBody>
+      </p:sp>
+      <p:sp>
+        <p:nvSpPr>
+          <p:cNvPr id="17" name="文本框 16"/>
+          <p:cNvSpPr txBox="1"/>
+          <p:nvPr>
+            <p:custDataLst>
+              <p:tags r:id="rId4"/>
+            </p:custDataLst>
+          </p:nvPr>
+        </p:nvSpPr>
+        <p:spPr>
+          <a:xfrm>
+            <a:off x="231536" y="4953508"/>
+            <a:ext cx="914400" cy="1328928"/>
+          </a:xfrm>
+          <a:prstGeom prst="rect">
+            <a:avLst/>
+          </a:prstGeom>
+          <a:blipFill>
+            <a:blip r:embed="rId8"/>
+            <a:stretch>
+              <a:fillRect/>
+            </a:stretch>
+          </a:blipFill>
+        </p:spPr>
+        <p:txBody>
+          <a:bodyPr vert="horz" rtlCol="0" anchor="ctr">
+            <a:noAutofit/>
+          </a:bodyPr>
+          <a:lstStyle/>
+          <a:p>
+            <a:pPr algn="ctr"/>
+            <a:r>
+              <a:rPr lang="en-US" altLang="zh-CN" sz="2400"/>
+              <a:t>0</a:t>
+            </a:r>
+            <a:endParaRPr lang="zh-CN" altLang="en-US" sz="2400" dirty="0"/>
+          </a:p>
+        </p:txBody>
+      </p:sp>
+    </p:spTree>
+    <p:extLst>
+      <p:ext uri="{BB962C8B-B14F-4D97-AF65-F5344CB8AC3E}">
+        <p14:creationId xmlns:p14="http://schemas.microsoft.com/office/powerpoint/2010/main" val="2743433048"/>
+      </p:ext>
+    </p:extLst>
+  </p:cSld>
+  <p:clrMapOvr>
+    <a:masterClrMapping/>
+  </p:clrMapOvr>
+</p:sld>
+</file>
+
+<file path=ppt/slides/slide6.xml><?xml version="1.0" encoding="utf-8"?>
+<p:sld xmlns:a="http://schemas.openxmlformats.org/drawingml/2006/main" xmlns:r="http://schemas.openxmlformats.org/officeDocument/2006/relationships" xmlns:p="http://schemas.openxmlformats.org/presentationml/2006/main">
+  <p:cSld>
+    <p:spTree>
+      <p:nvGrpSpPr>
+        <p:cNvPr id="1" name=""/>
+        <p:cNvGrpSpPr/>
+        <p:nvPr/>
+      </p:nvGrpSpPr>
+      <p:grpSpPr>
+        <a:xfrm>
+          <a:off x="0" y="0"/>
+          <a:ext cx="0" cy="0"/>
+          <a:chOff x="0" y="0"/>
+          <a:chExt cx="0" cy="0"/>
+        </a:xfrm>
+      </p:grpSpPr>
+      <p:sp>
+        <p:nvSpPr>
+          <p:cNvPr id="2" name="标题 1"/>
+          <p:cNvSpPr>
+            <a:spLocks noGrp="1"/>
+          </p:cNvSpPr>
+          <p:nvPr>
+            <p:ph type="title"/>
+            <p:custDataLst>
+              <p:tags r:id="rId1"/>
+            </p:custDataLst>
+          </p:nvPr>
+        </p:nvSpPr>
+        <p:spPr/>
+        <p:txBody>
+          <a:bodyPr wrap="square">
+            <a:normAutofit/>
+          </a:bodyPr>
+          <a:lstStyle/>
+          <a:p>
+            <a:r>
+              <a:rPr lang="en-US" altLang="zh-CN"/>
+              <a:t>Human Or PC </a:t>
+            </a:r>
+            <a:endParaRPr lang="zh-CN" altLang="en-US"/>
+          </a:p>
+        </p:txBody>
+      </p:sp>
+      <p:pic>
+        <p:nvPicPr>
+          <p:cNvPr id="6" name="图片 5"/>
+          <p:cNvPicPr>
+            <a:picLocks noChangeAspect="1"/>
+          </p:cNvPicPr>
+          <p:nvPr>
+            <p:custDataLst>
+              <p:tags r:id="rId2"/>
+            </p:custDataLst>
+          </p:nvPr>
+        </p:nvPicPr>
+        <p:blipFill>
+          <a:blip r:embed="rId6">
+            <a:extLst>
+              <a:ext uri="{28A0092B-C50C-407E-A947-70E740481C1C}">
+                <a14:useLocalDpi xmlns:a14="http://schemas.microsoft.com/office/drawing/2010/main" val="0"/>
+              </a:ext>
+            </a:extLst>
+          </a:blip>
+          <a:stretch>
+            <a:fillRect/>
+          </a:stretch>
+        </p:blipFill>
+        <p:spPr>
+          <a:xfrm>
+            <a:off x="11226165" y="6050756"/>
+            <a:ext cx="600075" cy="601504"/>
+          </a:xfrm>
+          <a:prstGeom prst="rect">
+            <a:avLst/>
+          </a:prstGeom>
+        </p:spPr>
+      </p:pic>
+      <p:sp>
+        <p:nvSpPr>
+          <p:cNvPr id="7" name="文本框 6"/>
+          <p:cNvSpPr txBox="1"/>
+          <p:nvPr/>
+        </p:nvSpPr>
+        <p:spPr>
+          <a:xfrm>
+            <a:off x="0" y="6172200"/>
+            <a:ext cx="10363200" cy="514350"/>
+          </a:xfrm>
+          <a:prstGeom prst="rect">
+            <a:avLst/>
+          </a:prstGeom>
+          <a:pattFill>
+            <a:fgClr>
+              <a:srgbClr val="1F4E79"/>
+            </a:fgClr>
+            <a:bgClr>
+              <a:srgbClr val="1F4E79"/>
+            </a:bgClr>
+          </a:pattFill>
+        </p:spPr>
+        <p:txBody>
+          <a:bodyPr vert="horz" wrap="none" rtlCol="0" anchor="ctr">
+            <a:normAutofit/>
+          </a:bodyPr>
+          <a:lstStyle/>
+          <a:p>
+            <a:r>
+              <a:rPr lang="zh-CN" altLang="en-US">
+                <a:solidFill>
+                  <a:srgbClr val="FFFFFF"/>
+                </a:solidFill>
+              </a:rPr>
+              <a:t>  请访问</a:t>
+            </a:r>
+            <a:r>
+              <a:rPr lang="en-US" altLang="zh-CN">
+                <a:solidFill>
+                  <a:srgbClr val="FFFFFF"/>
+                </a:solidFill>
+              </a:rPr>
+              <a:t>http://www.rclickr.com</a:t>
+            </a:r>
+            <a:r>
+              <a:rPr lang="zh-CN" altLang="en-US">
+                <a:solidFill>
+                  <a:srgbClr val="FFFFFF"/>
+                </a:solidFill>
+              </a:rPr>
+              <a:t>并输入频道名称</a:t>
+            </a:r>
+            <a:r>
+              <a:rPr lang="en-US" altLang="zh-CN">
+                <a:solidFill>
+                  <a:srgbClr val="FFFFFF"/>
+                </a:solidFill>
+              </a:rPr>
+              <a:t>=DHY633</a:t>
+            </a:r>
+            <a:r>
+              <a:rPr lang="zh-CN" altLang="en-US">
+                <a:solidFill>
+                  <a:srgbClr val="FFFFFF"/>
+                </a:solidFill>
+              </a:rPr>
+              <a:t>，然后投票。</a:t>
+            </a:r>
+          </a:p>
+        </p:txBody>
+      </p:sp>
+      <p:pic>
+        <p:nvPicPr>
+          <p:cNvPr id="8" name="图片 7"/>
+          <p:cNvPicPr>
+            <a:picLocks noChangeAspect="1"/>
+          </p:cNvPicPr>
+          <p:nvPr/>
+        </p:nvPicPr>
+        <p:blipFill>
+          <a:blip r:embed="rId7">
+            <a:extLst>
+              <a:ext uri="{28A0092B-C50C-407E-A947-70E740481C1C}">
+                <a14:useLocalDpi xmlns:a14="http://schemas.microsoft.com/office/drawing/2010/main" val="0"/>
+              </a:ext>
+            </a:extLst>
+          </a:blip>
+          <a:stretch>
+            <a:fillRect/>
+          </a:stretch>
+        </p:blipFill>
+        <p:spPr>
+          <a:xfrm>
+            <a:off x="4915750" y="1727237"/>
+            <a:ext cx="2466975" cy="1847850"/>
+          </a:xfrm>
+          <a:prstGeom prst="rect">
+            <a:avLst/>
+          </a:prstGeom>
+        </p:spPr>
+      </p:pic>
+      <p:sp>
+        <p:nvSpPr>
+          <p:cNvPr id="4" name="文本占位符 3"/>
+          <p:cNvSpPr>
+            <a:spLocks noGrp="1"/>
+          </p:cNvSpPr>
+          <p:nvPr>
+            <p:ph type="body" sz="half" idx="1"/>
+          </p:nvPr>
+        </p:nvSpPr>
+        <p:spPr/>
+        <p:txBody>
+          <a:bodyPr/>
+          <a:lstStyle/>
+          <a:p>
+            <a:endParaRPr lang="zh-CN" altLang="en-US" dirty="0"/>
+          </a:p>
+        </p:txBody>
+      </p:sp>
+      <p:sp>
+        <p:nvSpPr>
+          <p:cNvPr id="12" name="文本占位符 2"/>
+          <p:cNvSpPr txBox="1">
+            <a:spLocks/>
+          </p:cNvSpPr>
+          <p:nvPr>
+            <p:custDataLst>
+              <p:tags r:id="rId3"/>
+            </p:custDataLst>
+          </p:nvPr>
+        </p:nvSpPr>
+        <p:spPr>
+          <a:xfrm>
+            <a:off x="3505199" y="3875087"/>
+            <a:ext cx="5181600" cy="4351338"/>
+          </a:xfrm>
+          <a:prstGeom prst="rect">
+            <a:avLst/>
+          </a:prstGeom>
+        </p:spPr>
+        <p:txBody>
+          <a:bodyPr vert="horz" wrap="square" lIns="91440" tIns="45720" rIns="91440" bIns="45720" rtlCol="0">
+            <a:normAutofit/>
+          </a:bodyPr>
+          <a:lstStyle>
+            <a:lvl1pPr marL="228600" indent="-228600" algn="l" defTabSz="914400" rtl="0" eaLnBrk="1" latinLnBrk="0" hangingPunct="1">
+              <a:lnSpc>
+                <a:spcPct val="90000"/>
+              </a:lnSpc>
+              <a:spcBef>
+                <a:spcPts val="1000"/>
+              </a:spcBef>
+              <a:buFont typeface="Arial" panose="020B0604020202020204" pitchFamily="34" charset="0"/>
+              <a:buChar char="•"/>
+              <a:defRPr sz="2800" kern="1200">
+                <a:solidFill>
+                  <a:schemeClr val="tx1"/>
+                </a:solidFill>
+                <a:latin typeface="+mn-lt"/>
+                <a:ea typeface="+mn-ea"/>
+                <a:cs typeface="+mn-cs"/>
+              </a:defRPr>
+            </a:lvl1pPr>
+            <a:lvl2pPr marL="685800" indent="-228600" algn="l" defTabSz="914400" rtl="0" eaLnBrk="1" latinLnBrk="0" hangingPunct="1">
+              <a:lnSpc>
+                <a:spcPct val="90000"/>
+              </a:lnSpc>
+              <a:spcBef>
+                <a:spcPts val="500"/>
+              </a:spcBef>
+              <a:buFont typeface="Arial" panose="020B0604020202020204" pitchFamily="34" charset="0"/>
+              <a:buChar char="•"/>
+              <a:defRPr sz="2400" kern="1200">
+                <a:solidFill>
+                  <a:schemeClr val="tx1"/>
+                </a:solidFill>
+                <a:latin typeface="+mn-lt"/>
+                <a:ea typeface="+mn-ea"/>
+                <a:cs typeface="+mn-cs"/>
+              </a:defRPr>
+            </a:lvl2pPr>
+            <a:lvl3pPr marL="1143000" indent="-228600" algn="l" defTabSz="914400" rtl="0" eaLnBrk="1" latinLnBrk="0" hangingPunct="1">
+              <a:lnSpc>
+                <a:spcPct val="90000"/>
+              </a:lnSpc>
+              <a:spcBef>
+                <a:spcPts val="500"/>
+              </a:spcBef>
+              <a:buFont typeface="Arial" panose="020B0604020202020204" pitchFamily="34" charset="0"/>
+              <a:buChar char="•"/>
+              <a:defRPr sz="2000" kern="1200">
+                <a:solidFill>
+                  <a:schemeClr val="tx1"/>
+                </a:solidFill>
+                <a:latin typeface="+mn-lt"/>
+                <a:ea typeface="+mn-ea"/>
+                <a:cs typeface="+mn-cs"/>
+              </a:defRPr>
+            </a:lvl3pPr>
+            <a:lvl4pPr marL="1600200" indent="-228600" algn="l" defTabSz="914400" rtl="0" eaLnBrk="1" latinLnBrk="0" hangingPunct="1">
+              <a:lnSpc>
+                <a:spcPct val="90000"/>
+              </a:lnSpc>
+              <a:spcBef>
+                <a:spcPts val="500"/>
+              </a:spcBef>
+              <a:buFont typeface="Arial" panose="020B0604020202020204" pitchFamily="34" charset="0"/>
+              <a:buChar char="•"/>
+              <a:defRPr sz="1800" kern="1200">
+                <a:solidFill>
+                  <a:schemeClr val="tx1"/>
+                </a:solidFill>
+                <a:latin typeface="+mn-lt"/>
+                <a:ea typeface="+mn-ea"/>
+                <a:cs typeface="+mn-cs"/>
+              </a:defRPr>
+            </a:lvl4pPr>
+            <a:lvl5pPr marL="2057400" indent="-228600" algn="l" defTabSz="914400" rtl="0" eaLnBrk="1" latinLnBrk="0" hangingPunct="1">
+              <a:lnSpc>
+                <a:spcPct val="90000"/>
+              </a:lnSpc>
+              <a:spcBef>
+                <a:spcPts val="500"/>
+              </a:spcBef>
+              <a:buFont typeface="Arial" panose="020B0604020202020204" pitchFamily="34" charset="0"/>
+              <a:buChar char="•"/>
+              <a:defRPr sz="1800" kern="1200">
+                <a:solidFill>
+                  <a:schemeClr val="tx1"/>
+                </a:solidFill>
+                <a:latin typeface="+mn-lt"/>
+                <a:ea typeface="+mn-ea"/>
+                <a:cs typeface="+mn-cs"/>
+              </a:defRPr>
+            </a:lvl5pPr>
+            <a:lvl6pPr marL="2514600" indent="-228600" algn="l" defTabSz="914400" rtl="0" eaLnBrk="1" latinLnBrk="0" hangingPunct="1">
+              <a:lnSpc>
+                <a:spcPct val="90000"/>
+              </a:lnSpc>
+              <a:spcBef>
+                <a:spcPts val="500"/>
+              </a:spcBef>
+              <a:buFont typeface="Arial" panose="020B0604020202020204" pitchFamily="34" charset="0"/>
+              <a:buChar char="•"/>
+              <a:defRPr sz="1800" kern="1200">
+                <a:solidFill>
+                  <a:schemeClr val="tx1"/>
+                </a:solidFill>
+                <a:latin typeface="+mn-lt"/>
+                <a:ea typeface="+mn-ea"/>
+                <a:cs typeface="+mn-cs"/>
+              </a:defRPr>
+            </a:lvl6pPr>
+            <a:lvl7pPr marL="2971800" indent="-228600" algn="l" defTabSz="914400" rtl="0" eaLnBrk="1" latinLnBrk="0" hangingPunct="1">
+              <a:lnSpc>
+                <a:spcPct val="90000"/>
+              </a:lnSpc>
+              <a:spcBef>
+                <a:spcPts val="500"/>
+              </a:spcBef>
+              <a:buFont typeface="Arial" panose="020B0604020202020204" pitchFamily="34" charset="0"/>
+              <a:buChar char="•"/>
+              <a:defRPr sz="1800" kern="1200">
+                <a:solidFill>
+                  <a:schemeClr val="tx1"/>
+                </a:solidFill>
+                <a:latin typeface="+mn-lt"/>
+                <a:ea typeface="+mn-ea"/>
+                <a:cs typeface="+mn-cs"/>
+              </a:defRPr>
+            </a:lvl7pPr>
+            <a:lvl8pPr marL="3429000" indent="-228600" algn="l" defTabSz="914400" rtl="0" eaLnBrk="1" latinLnBrk="0" hangingPunct="1">
+              <a:lnSpc>
+                <a:spcPct val="90000"/>
+              </a:lnSpc>
+              <a:spcBef>
+                <a:spcPts val="500"/>
+              </a:spcBef>
+              <a:buFont typeface="Arial" panose="020B0604020202020204" pitchFamily="34" charset="0"/>
+              <a:buChar char="•"/>
+              <a:defRPr sz="1800" kern="1200">
+                <a:solidFill>
+                  <a:schemeClr val="tx1"/>
+                </a:solidFill>
+                <a:latin typeface="+mn-lt"/>
+                <a:ea typeface="+mn-ea"/>
+                <a:cs typeface="+mn-cs"/>
+              </a:defRPr>
+            </a:lvl8pPr>
+            <a:lvl9pPr marL="3886200" indent="-228600" algn="l" defTabSz="914400" rtl="0" eaLnBrk="1" latinLnBrk="0" hangingPunct="1">
+              <a:lnSpc>
+                <a:spcPct val="90000"/>
+              </a:lnSpc>
+              <a:spcBef>
+                <a:spcPts val="500"/>
+              </a:spcBef>
+              <a:buFont typeface="Arial" panose="020B0604020202020204" pitchFamily="34" charset="0"/>
+              <a:buChar char="•"/>
+              <a:defRPr sz="1800" kern="1200">
+                <a:solidFill>
+                  <a:schemeClr val="tx1"/>
+                </a:solidFill>
+                <a:latin typeface="+mn-lt"/>
+                <a:ea typeface="+mn-ea"/>
+                <a:cs typeface="+mn-cs"/>
+              </a:defRPr>
+            </a:lvl9pPr>
+          </a:lstStyle>
+          <a:p>
+            <a:pPr marL="514350" indent="-514350">
+              <a:buFont typeface="Arial" panose="020B0604020202020204" pitchFamily="34" charset="0"/>
+              <a:buAutoNum type="arabicPeriod"/>
+            </a:pPr>
+            <a:r>
+              <a:rPr lang="en-US" altLang="zh-CN"/>
+              <a:t>Human</a:t>
+            </a:r>
+          </a:p>
+          <a:p>
+            <a:pPr marL="514350" indent="-514350">
+              <a:buFont typeface="Arial" panose="020B0604020202020204" pitchFamily="34" charset="0"/>
+              <a:buAutoNum type="arabicPeriod"/>
+            </a:pPr>
+            <a:r>
+              <a:rPr lang="en-US" altLang="zh-CN"/>
+              <a:t>PC</a:t>
+            </a:r>
+            <a:endParaRPr lang="zh-CN" altLang="en-US" dirty="0"/>
+          </a:p>
+        </p:txBody>
+      </p:sp>
+      <p:sp>
+        <p:nvSpPr>
+          <p:cNvPr id="15" name="文本框 14"/>
+          <p:cNvSpPr txBox="1"/>
+          <p:nvPr>
+            <p:custDataLst>
+              <p:tags r:id="rId4"/>
+            </p:custDataLst>
+          </p:nvPr>
+        </p:nvSpPr>
+        <p:spPr>
+          <a:xfrm>
+            <a:off x="290259" y="5022580"/>
+            <a:ext cx="914400" cy="1328928"/>
+          </a:xfrm>
+          <a:prstGeom prst="rect">
+            <a:avLst/>
+          </a:prstGeom>
+          <a:blipFill>
+            <a:blip r:embed="rId8"/>
+            <a:stretch>
+              <a:fillRect/>
+            </a:stretch>
+          </a:blipFill>
+        </p:spPr>
+        <p:txBody>
+          <a:bodyPr vert="horz" rtlCol="0" anchor="ctr">
+            <a:noAutofit/>
+          </a:bodyPr>
+          <a:lstStyle/>
+          <a:p>
+            <a:pPr algn="ctr"/>
+            <a:r>
+              <a:rPr lang="en-US" altLang="zh-CN" sz="2400"/>
+              <a:t>0</a:t>
+            </a:r>
+            <a:endParaRPr lang="zh-CN" altLang="en-US" sz="2400" dirty="0"/>
+          </a:p>
+        </p:txBody>
+      </p:sp>
+    </p:spTree>
+    <p:extLst>
+      <p:ext uri="{BB962C8B-B14F-4D97-AF65-F5344CB8AC3E}">
+        <p14:creationId xmlns:p14="http://schemas.microsoft.com/office/powerpoint/2010/main" val="2664872522"/>
+      </p:ext>
+    </p:extLst>
+  </p:cSld>
+  <p:clrMapOvr>
+    <a:masterClrMapping/>
+  </p:clrMapOvr>
 </p:sld>
 </file>
 
@@ -3767,35 +5522,122 @@
 </p:tagLst>
 </file>
 
+<file path=ppt/tags/tag10.xml><?xml version="1.0" encoding="utf-8"?>
+<p:tagLst xmlns:a="http://schemas.openxmlformats.org/drawingml/2006/main" xmlns:r="http://schemas.openxmlformats.org/officeDocument/2006/relationships" xmlns:p="http://schemas.openxmlformats.org/presentationml/2006/main">
+  <p:tag name="MENTOQUESTION" val="UJHh6hBW372GF1w/ttzrBxP7+TfR3jFsvU/Bu2y8LwfZt1+N1kRkSK46dsFlc2wvlNvGfvD1HsahSDeYMBSyXsJohBjOgiaxagVjd+WhbwUj71Jk+Mt5h7pn4k1CW/F7ziomEf3QN3ST7epTJmfObBt5d72nZ1WFvc5REpOQyk2A9g4YQVgLSf0VhF94V3V+kVTtgkJ7Tyv2eTx27V21Di2t4B44BoeEJsXlSz1X+WLPGZpH24Iwzcp62J08628xc2b+Wgz0F3bG260mP8xy7FWJpFX5RkfjTDsfFTpYXHznHsH5SKouxUriww6Bk3brJsXlSz1X+WJ8N15fcyPBz6DVHJmtlUa4dd04eeEHg1aHip27MpYSKi2t4B44BoeEJsXlSz1X+WKQgkX4bf8jev0VhF94V3V+kVTtgkJ7Tyv2eTx27V21Di2t4B44BoeEEh5SRSHrfBriy5w7aeOSAzFwnqJ1Sw8Pv6/0aj+sVoESHlJFIet8GjmfDlHwsYN/TPLO2fFAcJCd9A8Wvfy0zmbT95jky4Chfo9EQ81V23OuzVTA85KWwLyIznY0esvTta4mVNT9vPIqFt6+GxB5QWbT95jky4ChZvKMfLgyfmUuUWvmXonjVFj2uhcSsuHB9Xj56+3eKa92PFn56KgFR5XlATmcNiytvkN4X2+8Fxf8Ynqkkdo23MXED+OUTG8pm04SStTqouknLh47e5Sa6PVXVFg6WHCg7rO+tB8p7mO2F9MrG5cpaE2uOpNqtQ8xjkitcHFQNF3AASg5Duud5ohFIPljUtCQIt6AdEszR7g5839EWv/PSOp0ace3nGGuDMbwQ7aAK040DntTSltXRDvIDiLg5HTX+avQDYSzhQHrTrrQryW/NKsWHKKAuoZNwQRJS7Od5csVm2N8QTzFQSLegHRLM0e4ifalf/oxbmxqIErQGH25KomwyK+pCOSo5gBSIQNaxsw5HDMDm4UIXd3JNmeVjTT7H+tKa4wnEWJyIr6euU4z0EzyztnxQHCQnfQPFr38tM6f016/5GSTHuQSEM+jOnew8bCqHnT5xgKZfn1plXFG7I3f1fshdrQbn9Nev+Rkkx6ysiBPt1xhnJSaa/99ir8YziomEf3QN3ScDkBk8yImh3EI4SSt3unXQ7y7Ag4KqAYu/BwAarU6mTGyVaETCATzF7MC3KKDJEeysiBPt1xhnJIXjWqlUtfDSCQhj64xJhlFmjdIzUacCH7EQqL5RclUNyNa3SE0XHMjt561VxopXBcYsboTS5SFI7eetVcaKVxrP8xbmAQWiy4FEwxsYT5JOo14byoEejdrP8xbmAQWi7uPDJpBp2k7V+u1RE9msZVIMGNvm7gbDd4+3bQEtAPg5BIQz6M6d7B7zJVpfJKV8AXUbdCIFq6ScHqRGh9e+hgGNQaCrKKJhTT/dEBMz/0F95j+Vc7iGTFamLNpnDeWpa3sk1iW6SmDKKvGI+YGTE1IJCGPrjEmGdGh1v1elaIbQe4A3WCGZ40MlihzGrzJnnUQbhmqQR2W4QFk0e5nsE2HJ1chJfin7vxb8XNyBR5L3UXEjCev30HINnFK5mz2O8fISGl47hdi7P6EfC0fyLif016/5GSTHi3iuneCqzwqfhPOKW2bkmt9szIyN68tvjGyVaETCATzX3upO4wacMqt7JNYlukpg5IXjWqlUtfDSCQhj64xJhmt7JNYlukpgzb1s3CpBKB6BZqKf0z38zgxslWhEwgE804O0uTlQvnZNvWzcKkEoHozfZ3m9GKGlTGyVaETCATzJMo/PiOJBSrnwB5NuEtTdTEcEbmHLlkd44iCJnU+K0QrUrpyncpzpVjQeIOn//HCAlRN9D13xVJIHh+g7ljmy4ZnaL/hVVUAl+vt7OHTBrCE5bK/TnrEu9MZrm5a/XaqUNIYJAn91sRS2fMaHjownr6loIRbk7OTE6Fm9aSREi2RkE8V2Wqq2kVxWyf8Ptch"/>
+  <p:tag name="MENTOGRAPHOPTIONS" val="/piyB5pUgjkR1Mt+wiYOnlO5jXdb7sKbyqvtCFY2tuEWgVKHLfPdfRzzg2a3NpWZssUkMj0t6/dXuj+XkWPaIcqr7QhWNrbhYDYUGYK9i6zKq+0IVja24WKQ5ranNyAHzVSTUGa7tGX+56sSaLoIuL9aEXHxvgI+srVQmImKF0LRq/H9nY/by27iLLxU33yHgEnqNpc4NblYrfqePVu9y8MruElZKBJNWpizaZw3lqUhVAFqqmFdnUhEIjhHVx9EE/v5N9HeMWy9T8G7bLwvB9m3X43WRGRIrjp2wWVzbC+U28Z+8PUexqFIN5gwFLJewmiEGM6CJrFqBWN35aFvBSPvUmT4y3mHqJYdM28N0kTMDXSwQETYxphsR+fhv8ENXKxP3DUldPEYb6/0yUElAadio4pG1wY7r97Ra5NiEDshVAFqqmFdnSEoyNjmWJmeqJYdM28N0kRJjqWQz4SGX5hsR+fhv8ENFo1dYdrjNPoYb6/0yUElAadio4pG1wY7Bv63qc+crKMhVAFqqmFdnQieenkTIZ43qJYdM28N0kQGISnmbdUT0JhsR+fhv8ENPs8U/13kfd6LXUP0RHo/68++XvK6OwxknesQy35sqOAqcN4mAhFfaSTs8lDMlYUQ905+6nqNnL5gs+ARwfl4tRkBC0hRN2yR3NgqpRhyeaf9bSVp5lwDG6a4jY4lw7EVzTV3eF+KMQRbZTrlmams3b1UCdnMYsCPJ6cPankdGxfuDKiq7bx7udEouvJ6zqXMrsSEb+A1/h8AeBPUWKhGBCTs8lDMlYUQTQbnnTB7+ZmOx5Ha6wAU7h7zC1TQ295q5trP900t7jVZq/WTRSDqdCe14Mp+oPdq8jAA52ZjYQ2iDQx5emq/Yb1UCdnMYsCPZjvJDX58SoUGqFDb1zWKIc++XvK6OwxknesQy35sqODXP30qQj66NzPcKmMmWNFzXpzs1aJ3tAtQea0fLHKJvQpzxZPqR4a4F7MC3KKDJEc4hm9lUxZ/CuSe/jhyj87vw5LNHbEu5Sv+nh7u4/SRyI8nbtEnOAEXOIZvZVMWfwpRiRvCoBnO+PV4+evt3imvk3gijePlA0ddX8u8oWnbiC5Ra+ZeieNUWPa6FxKy4cEl4vYD5FppJsOSzR2xLuUrQvbs4Doc9W6pYas2LWMuJqNnz02ouBqFcddaGMVWKbvmJLTWTNCmc9J3SgLrcJLDV0x2pkhmY8sjt561VxopXEL27OA6HPVudTNDCocpXHoYxmDyJbsyWKyQtAJkA/PzWpizaZw3lqUXxFs50344sf7nqxJougi4WpizaZw3lqUXxFs50344sTXXTPSPBVw3y/vRZ7WjlRdEg2+aIThDBkoAqJumiO4M80CH93PGIGrEqGyS+ejdyEq3Oi5kSMvH9LN90y3YKsHFxA/jlExvKRfEWznTfjixIXPiFcG1e5udVj6tQTmZa4YZrzxJU4J8RINvmiE4QwbpcRHVqJbrdvYid9xkBp9Z/w0X2FEZUszEqGyS+ejdyPxVxkwQ8eXdnfQPFr38tM7mJLTWTNCmc0SDb5ohOEMGF5/ZK1iirY71iVSKJsHkMunGXHY+G48URINvmiE4QwZG898SBiW6aNTcPVJT78K/cgFjcYy9eDYDiywo1z3X0wXUbdCIFq6ScHqRGh9e+hihI5Kl/z35Y3Tg4mEQVNtQZvAR3tAjqnpNrjqTarUPMb0vl7bdFR3XM9DQQSBdB2RidQArNrEUAdJ3SgLrcJLDSwD6dok6yLXalWJAg34RBfEOXU61nFnnRn+XPwuZD7I0DntTSltXRBozC0YaxUQsk4tM2gK1PmrqfgOyFyqetxMaJZoAB9T4gu1r5qtxPlvdyTZnlY00+w2oPtkQqBbvsrIgT7dcYZxgjwzP4cf51aX6xxIFVQW/nSuoilzH81OhqP5XwxY6Ux5FUMrdZSeG34ucoWi2ApGCCeJwtZNaHjaTlPUIl74WHkVQyt1lJ4bfi5yhaLYCkdyzV/VWuirRv5lZ0gIzuFiDqO1/e1fQkiyPlCx5RhrYWK36nj1bvct5QByaEkHeKmCz4BHB+Xi1qzSbijHKJDUiu/QHWNjC0BOYvQtsdq1tSaptqMZRhVVJqm2oxlGFVfaUVDMRUlEcZFd196Z9X4KBXoihXOjbTN9Lx0fDlCMWDFzsBIrgg0cyxLjm02H2SiVllTAlou1IwkAnb3Pr64WqcOgeTsZCd2AXBGdDQMDzKjiatgerpAQMXOwEiuCDRzLEuObTYfZK/AP6pu5pIhJkV3X3pn1fgvLXHOVBCnipE1cTXOsDsIx8iKvdAKMHp9qRNn5SIQDXAMj7JwRJSZMOimUutZgb/FVZpGpvmrkgTk215xVXwBIAyPsnBElJkw6KZS61mBv8xzGNZo5JbzcJ9s1sqO7UNQDI+ycESUmTDoplLrWYG/ypE8D/j8o3kc1Uk1Bmu7RlBstZrUrmcaZXOrerqTB/7kRpeFWXDGQPqroJl7Us8LZXOrerqTB/7lX6j4Gfe2irgxhY/KIINDV8302GS39Os4wP7wPDTKYu"/>
+</p:tagLst>
+</file>
+
+<file path=ppt/tags/tag11.xml><?xml version="1.0" encoding="utf-8"?>
+<p:tagLst xmlns:a="http://schemas.openxmlformats.org/drawingml/2006/main" xmlns:r="http://schemas.openxmlformats.org/officeDocument/2006/relationships" xmlns:p="http://schemas.openxmlformats.org/presentationml/2006/main">
+  <p:tag name="MENTOMETER" val="Options:2"/>
+</p:tagLst>
+</file>
+
+<file path=ppt/tags/tag12.xml><?xml version="1.0" encoding="utf-8"?>
+<p:tagLst xmlns:a="http://schemas.openxmlformats.org/drawingml/2006/main" xmlns:r="http://schemas.openxmlformats.org/officeDocument/2006/relationships" xmlns:p="http://schemas.openxmlformats.org/presentationml/2006/main">
+  <p:tag name="TILDECODE" val="~CODE(AAEAAAD/////AQAAAAAAAAAMAgAAAD9NZW50b0xpYiwgVmVyc2lvbj0yLjIuOS4wLCBDdWx0dXJlPW5ldXRyYWwsIFB1YmxpY0tleVRva2VuPW51bGwEAQAAAIoBU3lzdGVtLkNvbGxlY3Rpb25zLkdlbmVyaWMuTGlzdGAxW1tNZW50b0xpYi5NZW50b21ldGVyTGliK1RpbGRlQ29kZVR5cGUsIE1lbnRvTGliLCBWZXJzaW9uPTIuMi45LjAsIEN1bHR1cmU9bmV1dHJhbCwgUHVibGljS2V5VG9rZW49bnVsbF1dAwAAAAZfaXRlbXMFX3NpemUIX3ZlcnNpb24EAAAmTWVudG9MaWIuTWVudG9tZXRlckxpYitUaWxkZUNvZGVUeXBlW10CAAAACAgJAwAAAAEAAAAGAAAABwMAAAAAAQAAAAQAAAAEJE1lbnRvTGliLk1lbnRvbWV0ZXJMaWIrVGlsZGVDb2RlVHlwZQIAAAAF/P///yRNZW50b0xpYi5NZW50b21ldGVyTGliK1RpbGRlQ29kZVR5cGUKAAAABFR5cGUHU2hhcGVJRAFYAVkEQ29kZQVFeHRyYQNUb3AGSGVpZ2h0BExlZnQFV2lkdGgEAAAAAQEAAAAAIE1lbnRvTGliLk1lbnRvbWV0ZXJMaWIrU2hhcGVUeXBlAgAAAAgICAsLCwsCAAAABfv///8gTWVudG9MaWIuTWVudG9tZXRlckxpYitTaGFwZVR5cGUBAAAAB3ZhbHVlX18ACAIAAAABAAAABQAAAAAAAAAAAAAABgYAAAAFflRJTUUKFK7ZQ65H0UJmZuZBAACQQgH5/////P///wH4////+////wAAAAAAAAAAAAAAAAAAAAAKCgAAAAAAAAAAAAAAAAAAAAAB9/////z///8B9v////v///8AAAAAAAAAAAAAAAAAAAAACgoAAAAAAAAAAAAAAAAAAAAAAfX////8////AfT////7////AAAAAAAAAAAAAAAAAAAAAAoKAAAAAAAAAAAAAAAAAAAAAAs=)"/>
+</p:tagLst>
+</file>
+
+<file path=ppt/tags/tag13.xml><?xml version="1.0" encoding="utf-8"?>
+<p:tagLst xmlns:a="http://schemas.openxmlformats.org/drawingml/2006/main" xmlns:r="http://schemas.openxmlformats.org/officeDocument/2006/relationships" xmlns:p="http://schemas.openxmlformats.org/presentationml/2006/main">
+  <p:tag name="MENTOMETER" val="Question"/>
+</p:tagLst>
+</file>
+
+<file path=ppt/tags/tag14.xml><?xml version="1.0" encoding="utf-8"?>
+<p:tagLst xmlns:a="http://schemas.openxmlformats.org/drawingml/2006/main" xmlns:r="http://schemas.openxmlformats.org/officeDocument/2006/relationships" xmlns:p="http://schemas.openxmlformats.org/presentationml/2006/main">
+  <p:tag name="MENTOQUESTION" val="UJHh6hBW372GF1w/ttzrB0jvtBEcGn55wHdFylSAc3mOeW2RAW9xbNMEVmkeZCxB2Q2vGkAB04FD/s+vLGgmg05v2T5tu1lP8GnH3MbZuv/oHLSgCzL/4rpn4k1CW/F7ziomEf3QN3ST7epTJmfObBt5d72nZ1WFvc5REpOQyk2A9g4YQVgLSf0VhF94V3V+kVTtgkJ7Tyv2eTx27V21Di2t4B44BoeEJsXlSz1X+WLPGZpH24Iwzcp62J08628xc2b+Wgz0F3bG260mP8xy7FWJpFX5RkfjTDsfFTpYXHznHsH5SKouxUriww6Bk3brJsXlSz1X+WJ8N15fcyPBz6DVHJmtlUa4dd04eeEHg1aHip27MpYSKi2t4B44BoeEJsXlSz1X+WKQgkX4bf8jev0VhF94V3V+kVTtgkJ7Tyv2eTx27V21Di2t4B44BoeEEh5SRSHrfBriy5w7aeOSAzFwnqJ1Sw8Pv6/0aj+sVoESHlJFIet8GjmfDlHwsYN/TPLO2fFAcJCd9A8Wvfy0zmbT95jky4Chfo9EQ81V23OuzVTA85KWwLyIznY0esvTta4mVNT9vPIqFt6+GxB5QWbT95jky4ChZvKMfLgyfmUuUWvmXonjVFj2uhcSsuHB9Xj56+3eKa92PFn56KgFR5XlATmcNiytvkN4X2+8Fxf8Ynqkkdo23MXED+OUTG8pm04SStTqouknLh47e5Sa6PVXVFg6WHCg7rO+tB8p7mO2F9MrG5cpaE2uOpNqtQ8xjkitcHFQNF3AASg5Duud5ohFIPljUtCQIt6AdEszR7g5839EWv/PSOp0ace3nGGuDMbwQ7aAK040DntTSltXRDvIDiLg5HTX+avQDYSzhQHrTrrQryW/NKsWHKKAuoZNwQRJS7Od5csVm2N8QTzFQSLegHRLM0e4ifalf/oxbmxqIErQGH25KomwyK+pCOSo5gBSIQNaxsw5HDMDm4UIXd3JNmeVjTT7H+tKa4wnEWJyIr6euU4z0EzyztnxQHCQnfQPFr38tM6f016/5GSTHuQSEM+jOnew8bCqHnT5xgKZfn1plXFG7I3f1fshdrQbn9Nev+Rkkx6ysiBPt1xhnJSaa/99ir8YziomEf3QN3ScDkBk8yImh3EI4SSt3unXQ7y7Ag4KqAYu/BwAarU6mTGyVaETCATzF7MC3KKDJEeysiBPt1xhnJIXjWqlUtfDSCQhj64xJhlFmjdIzUacCH7EQqL5RclUNyNa3SE0XHMjt561VxopXBcYsboTS5SFI7eetVcaKVxrP8xbmAQWiy4FEwxsYT5JOo14byoEejdrP8xbmAQWi7uPDJpBp2k7V+u1RE9msZVIMGNvm7gbDd4+3bQEtAPg5BIQz6M6d7B7zJVpfJKV8AXUbdCIFq6ScHqRGh9e+hgGNQaCrKKJhTT/dEBMz/0F95j+Vc7iGTFamLNpnDeWpa3sk1iW6SmDKKvGI+YGTE1IJCGPrjEmGdGh1v1elaIbQe4A3WCGZ40MlihzGrzJnnUQbhmqQR2W4QFk0e5nsE2HJ1chJfin7vxb8XNyBR5L3UXEjCev30HINnFK5mz2O8fISGl47hdi7P6EfC0fyLif016/5GSTHi3iuneCqzwqfhPOKW2bkmt9szIyN68tvjGyVaETCATzX3upO4wacMqt7JNYlukpg5IXjWqlUtfDSCQhj64xJhmt7JNYlukpgzb1s3CpBKB6BZqKf0z38zgxslWhEwgE804O0uTlQvnZNvWzcKkEoHozfZ3m9GKGlTGyVaETCATzJMo/PiOJBSrnwB5NuEtTdTEcEbmHLlkd44iCJnU+K0QrUrpyncpzpVjQeIOn//HCAlRN9D13xVJIHh+g7ljmy4ZnaL/hVVUAl+vt7OHTBrCE5bK/TnrEu9MZrm5a/XaqUNIYJAn91sRS2fMaHjownr6loIRbk7OTE6Fm9aSREi2RkE8V2Wqq2kVxWyf8Ptch"/>
+  <p:tag name="MENTOGRAPHOPTIONS" val="/piyB5pUgjkR1Mt+wiYOnlO5jXdb7sKbyqvtCFY2tuEWgVKHLfPdfRzzg2a3NpWZssUkMj0t6/dXuj+XkWPaIcqr7QhWNrbhYDYUGYK9i6zKq+0IVja24WKQ5ranNyAHzVSTUGa7tGX+56sSaLoIuL9aEXHxvgI+srVQmImKF0LRq/H9nY/by27iLLxU33yHgEnqNpc4NblYrfqePVu9y8MruElZKBJNWpizaZw3lqUhVAFqqmFdnUhEIjhHVx9ESO+0ERwafnnAd0XKVIBzeY55bZEBb3Fs0wRWaR5kLEHZDa8aQAHTgUP+z68saCaDTm/ZPm27WU/wacfcxtm6/+gctKALMv/iqJYdM28N0kTMDXSwQETYxphsR+fhv8ENXKxP3DUldPEYb6/0yUElAadio4pG1wY7r97Ra5NiEDshVAFqqmFdnSEoyNjmWJmeqJYdM28N0kRJjqWQz4SGX5hsR+fhv8ENFo1dYdrjNPoYb6/0yUElAadio4pG1wY7Bv63qc+crKMhVAFqqmFdnQieenkTIZ43qJYdM28N0kQGISnmbdUT0JhsR+fhv8ENPs8U/13kfd6LXUP0RHo/68++XvK6OwxknesQy35sqOAqcN4mAhFfaSTs8lDMlYUQ905+6nqNnL5gs+ARwfl4tRkBC0hRN2yR3NgqpRhyeaf9bSVp5lwDG6a4jY4lw7EVzTV3eF+KMQRbZTrlmams3b1UCdnMYsCPJ6cPankdGxfuDKiq7bx7udEouvJ6zqXMrsSEb+A1/h8AeBPUWKhGBCTs8lDMlYUQTQbnnTB7+ZmOx5Ha6wAU7h7zC1TQ295q5trP900t7jVZq/WTRSDqdCe14Mp+oPdq8jAA52ZjYQ2iDQx5emq/Yb1UCdnMYsCPZjvJDX58SoUGqFDb1zWKIc++XvK6OwxknesQy35sqODXP30qQj66NzPcKmMmWNFzXpzs1aJ3tAtQea0fLHKJvQpzxZPqR4a4F7MC3KKDJEc4hm9lUxZ/CuSe/jhyj87vw5LNHbEu5Sv+nh7u4/SRyI8nbtEnOAEXOIZvZVMWfwpRiRvCoBnO+PV4+evt3imvk3gijePlA0ddX8u8oWnbiC5Ra+ZeieNUWPa6FxKy4cEl4vYD5FppJsOSzR2xLuUrQvbs4Doc9W6pYas2LWMuJqNnz02ouBqFcddaGMVWKbvmJLTWTNCmc9J3SgLrcJLDV0x2pkhmY8sjt561VxopXEL27OA6HPVudTNDCocpXHoYxmDyJbsyWKyQtAJkA/PzWpizaZw3lqUXxFs50344sf7nqxJougi4WpizaZw3lqUXxFs50344sTXXTPSPBVw3y/vRZ7WjlRdEg2+aIThDBkoAqJumiO4M80CH93PGIGrEqGyS+ejdyEq3Oi5kSMvH9LN90y3YKsHFxA/jlExvKRfEWznTfjixIXPiFcG1e5udVj6tQTmZa4YZrzxJU4J8RINvmiE4QwbpcRHVqJbrdvYid9xkBp9Z/w0X2FEZUszEqGyS+ejdyPxVxkwQ8eXdnfQPFr38tM7mJLTWTNCmc0SDb5ohOEMGF5/ZK1iirY71iVSKJsHkMunGXHY+G48URINvmiE4QwZG898SBiW6aNTcPVJT78K/cgFjcYy9eDYDiywo1z3X0wXUbdCIFq6ScHqRGh9e+hihI5Kl/z35Y3Tg4mEQVNtQZvAR3tAjqnpNrjqTarUPMb0vl7bdFR3XM9DQQSBdB2RidQArNrEUAdJ3SgLrcJLDSwD6dok6yLXalWJAg34RBfEOXU61nFnnRn+XPwuZD7I0DntTSltXRBozC0YaxUQsk4tM2gK1PmrqfgOyFyqetxMaJZoAB9T4gu1r5qtxPlvdyTZnlY00+w2oPtkQqBbvsrIgT7dcYZxgjwzP4cf51aX6xxIFVQW/nSuoilzH81OhqP5XwxY6Ux5FUMrdZSeG34ucoWi2ApGCCeJwtZNaHjaTlPUIl74WHkVQyt1lJ4bfi5yhaLYCkdyzV/VWuirRv5lZ0gIzuFiDqO1/e1fQkiyPlCx5RhrYWK36nj1bvct5QByaEkHeKmCz4BHB+Xi1qzSbijHKJDUiu/QHWNjC0BOYvQtsdq1tSaptqMZRhVVJqm2oxlGFVfaUVDMRUlEcZFd196Z9X4KBXoihXOjbTN9Lx0fDlCMWDFzsBIrgg0cyxLjm02H2SiVllTAlou1IwkAnb3Pr64WqcOgeTsZCd2AXBGdDQMDzKjiatgerpAQMXOwEiuCDRzLEuObTYfZK/AP6pu5pIhJkV3X3pn1fgvLXHOVBCnipE1cTXOsDsIx8iKvdAKMHp9qRNn5SIQDXAMj7JwRJSZMOimUutZgb/FVZpGpvmrkgTk215xVXwBIAyPsnBElJkw6KZS61mBv8xzGNZo5JbzcJ9s1sqO7UNQDI+ycESUmTDoplLrWYG/ypE8D/j8o3kc1Uk1Bmu7RlBstZrUrmcaZXOrerqTB/7kRpeFWXDGQPqroJl7Us8LZXOrerqTB/7lX6j4Gfe2irgxhY/KIINDV8302GS39Os4wP7wPDTKYu"/>
+</p:tagLst>
+</file>
+
+<file path=ppt/tags/tag15.xml><?xml version="1.0" encoding="utf-8"?>
+<p:tagLst xmlns:a="http://schemas.openxmlformats.org/drawingml/2006/main" xmlns:r="http://schemas.openxmlformats.org/officeDocument/2006/relationships" xmlns:p="http://schemas.openxmlformats.org/presentationml/2006/main">
+  <p:tag name="MENTOMETER" val="Options:2"/>
+</p:tagLst>
+</file>
+
+<file path=ppt/tags/tag16.xml><?xml version="1.0" encoding="utf-8"?>
+<p:tagLst xmlns:a="http://schemas.openxmlformats.org/drawingml/2006/main" xmlns:r="http://schemas.openxmlformats.org/officeDocument/2006/relationships" xmlns:p="http://schemas.openxmlformats.org/presentationml/2006/main">
+  <p:tag name="TILDECODE" val="~CODE(AAEAAAD/////AQAAAAAAAAAMAgAAAD9NZW50b0xpYiwgVmVyc2lvbj0yLjIuOS4wLCBDdWx0dXJlPW5ldXRyYWwsIFB1YmxpY0tleVRva2VuPW51bGwEAQAAAIoBU3lzdGVtLkNvbGxlY3Rpb25zLkdlbmVyaWMuTGlzdGAxW1tNZW50b0xpYi5NZW50b21ldGVyTGliK1RpbGRlQ29kZVR5cGUsIE1lbnRvTGliLCBWZXJzaW9uPTIuMi45LjAsIEN1bHR1cmU9bmV1dHJhbCwgUHVibGljS2V5VG9rZW49bnVsbF1dAwAAAAZfaXRlbXMFX3NpemUIX3ZlcnNpb24EAAAmTWVudG9MaWIuTWVudG9tZXRlckxpYitUaWxkZUNvZGVUeXBlW10CAAAACAgJAwAAAAEAAAAGAAAABwMAAAAAAQAAAAQAAAAEJE1lbnRvTGliLk1lbnRvbWV0ZXJMaWIrVGlsZGVDb2RlVHlwZQIAAAAF/P///yRNZW50b0xpYi5NZW50b21ldGVyTGliK1RpbGRlQ29kZVR5cGUKAAAABFR5cGUHU2hhcGVJRAFYAVkEQ29kZQVFeHRyYQNUb3AGSGVpZ2h0BExlZnQFV2lkdGgEAAAAAQEAAAAAIE1lbnRvTGliLk1lbnRvbWV0ZXJMaWIrU2hhcGVUeXBlAgAAAAgICAsLCwsCAAAABfv///8gTWVudG9MaWIuTWVudG9tZXRlckxpYitTaGFwZVR5cGUBAAAAB3ZhbHVlX18ACAIAAAABAAAABQAAAAAAAAAAAAAABgYAAAAFflRJTUUKFK7ZQ65H0UJmZuZBAACQQgH5/////P///wH4////+////wAAAAAAAAAAAAAAAAAAAAAKCgAAAAAAAAAAAAAAAAAAAAAB9/////z///8B9v////v///8AAAAAAAAAAAAAAAAAAAAACgoAAAAAAAAAAAAAAAAAAAAAAfX////8////AfT////7////AAAAAAAAAAAAAAAAAAAAAAoKAAAAAAAAAAAAAAAAAAAAAAs=)"/>
+</p:tagLst>
+</file>
+
+<file path=ppt/tags/tag17.xml><?xml version="1.0" encoding="utf-8"?>
+<p:tagLst xmlns:a="http://schemas.openxmlformats.org/drawingml/2006/main" xmlns:r="http://schemas.openxmlformats.org/officeDocument/2006/relationships" xmlns:p="http://schemas.openxmlformats.org/presentationml/2006/main">
+  <p:tag name="MENTOMETER" val="Question"/>
+</p:tagLst>
+</file>
+
+<file path=ppt/tags/tag18.xml><?xml version="1.0" encoding="utf-8"?>
+<p:tagLst xmlns:a="http://schemas.openxmlformats.org/drawingml/2006/main" xmlns:r="http://schemas.openxmlformats.org/officeDocument/2006/relationships" xmlns:p="http://schemas.openxmlformats.org/presentationml/2006/main">
+  <p:tag name="MENTOQUESTION" val="UJHh6hBW372GF1w/ttzrB2vpqX1qImTy1i2x5b0g93UX4wcOMdQDx9L5hfETovEyNwRP7XW6fo3Z4M1AaP56Pl0D/w0y4NZvrJ+SW3QvjcJqxB8B9nWKOrpn4k1CW/F7ziomEf3QN3ST7epTJmfObBt5d72nZ1WFvc5REpOQyk2A9g4YQVgLSf0VhF94V3V+kVTtgkJ7Tyv2eTx27V21Di2t4B44BoeEJsXlSz1X+WLPGZpH24Iwzcp62J08628xc2b+Wgz0F3bG260mP8xy7FWJpFX5RkfjTDsfFTpYXHznHsH5SKouxUriww6Bk3brJsXlSz1X+WJ8N15fcyPBz6DVHJmtlUa4dd04eeEHg1aHip27MpYSKi2t4B44BoeEJsXlSz1X+WKQgkX4bf8jev0VhF94V3V+kVTtgkJ7Tyv2eTx27V21Di2t4B44BoeEEh5SRSHrfBriy5w7aeOSAzFwnqJ1Sw8Pv6/0aj+sVoESHlJFIet8GjmfDlHwsYN/TPLO2fFAcJCd9A8Wvfy0zmbT95jky4Chfo9EQ81V23OuzVTA85KWwLyIznY0esvTta4mVNT9vPIqFt6+GxB5QWbT95jky4ChZvKMfLgyfmUuUWvmXonjVFj2uhcSsuHB9Xj56+3eKa92PFn56KgFR5XlATmcNiytvkN4X2+8Fxf8Ynqkkdo23MXED+OUTG8pm04SStTqouknLh47e5Sa6PVXVFg6WHCg7rO+tB8p7mO2F9MrG5cpaE2uOpNqtQ8xjkitcHFQNF3AASg5Duud5ohFIPljUtCQIt6AdEszR7g5839EWv/PSOp0ace3nGGuDMbwQ7aAK040DntTSltXRDvIDiLg5HTX+avQDYSzhQHrTrrQryW/NKsWHKKAuoZNwQRJS7Od5csVm2N8QTzFQSLegHRLM0e4ifalf/oxbmxqIErQGH25KomwyK+pCOSo5gBSIQNaxsw5HDMDm4UIXd3JNmeVjTT7H+tKa4wnEWJyIr6euU4z0EzyztnxQHCQnfQPFr38tM6f016/5GSTHuQSEM+jOnew8bCqHnT5xgKZfn1plXFG7I3f1fshdrQbn9Nev+Rkkx6ysiBPt1xhnJSaa/99ir8YziomEf3QN3ScDkBk8yImh3EI4SSt3unXQ7y7Ag4KqAYu/BwAarU6mTGyVaETCATzF7MC3KKDJEeysiBPt1xhnJIXjWqlUtfDSCQhj64xJhlFmjdIzUacCH7EQqL5RclUNyNa3SE0XHMjt561VxopXBcYsboTS5SFI7eetVcaKVxrP8xbmAQWiy4FEwxsYT5JOo14byoEejdrP8xbmAQWi7uPDJpBp2k7V+u1RE9msZVIMGNvm7gbDd4+3bQEtAPg5BIQz6M6d7B7zJVpfJKV8AXUbdCIFq6ScHqRGh9e+hgGNQaCrKKJhTT/dEBMz/0F95j+Vc7iGTFamLNpnDeWpa3sk1iW6SmDKKvGI+YGTE1IJCGPrjEmGdGh1v1elaIbQe4A3WCGZ40MlihzGrzJnnUQbhmqQR2W4QFk0e5nsE2HJ1chJfin7vxb8XNyBR5L3UXEjCev30HINnFK5mz2O8fISGl47hdi7P6EfC0fyLif016/5GSTHi3iuneCqzwqfhPOKW2bkmt9szIyN68tvjGyVaETCATzX3upO4wacMqt7JNYlukpg5IXjWqlUtfDSCQhj64xJhmt7JNYlukpgzb1s3CpBKB6BZqKf0z38zgxslWhEwgE804O0uTlQvnZNvWzcKkEoHozfZ3m9GKGlTGyVaETCATzJMo/PiOJBSrnwB5NuEtTdTEcEbmHLlkd44iCJnU+K0QrUrpyncpzpVjQeIOn//HCAlRN9D13xVJIHh+g7ljmy4ZnaL/hVVUAl+vt7OHTBrCE5bK/TnrEu9MZrm5a/XaqUNIYJAn91sRS2fMaHjownr6loIRbk7OTE6Fm9aSREi2RkE8V2Wqq2kVxWyf8Ptch"/>
+  <p:tag name="MENTOGRAPHOPTIONS" val="/piyB5pUgjkR1Mt+wiYOnlO5jXdb7sKbyqvtCFY2tuEWgVKHLfPdfRzzg2a3NpWZssUkMj0t6/dXuj+XkWPaIcqr7QhWNrbhYDYUGYK9i6zKq+0IVja24WKQ5ranNyAHzVSTUGa7tGX+56sSaLoIuL9aEXHxvgI+srVQmImKF0LRq/H9nY/by27iLLxU33yHgEnqNpc4NblYrfqePVu9y8MruElZKBJNWpizaZw3lqUhVAFqqmFdnUhEIjhHVx9Ea+mpfWoiZPLWLbHlvSD3dRfjBw4x1APH0vmF8ROi8TI3BE/tdbp+jdngzUBo/no+XQP/DTLg1m+sn5JbdC+NwmrEHwH2dYo6qJYdM28N0kTMDXSwQETYxphsR+fhv8ENXKxP3DUldPEYb6/0yUElAadio4pG1wY7r97Ra5NiEDshVAFqqmFdnSEoyNjmWJmeqJYdM28N0kRJjqWQz4SGX5hsR+fhv8ENFo1dYdrjNPoYb6/0yUElAadio4pG1wY7Bv63qc+crKMhVAFqqmFdnQieenkTIZ43qJYdM28N0kQGISnmbdUT0JhsR+fhv8ENPs8U/13kfd6LXUP0RHo/68++XvK6OwxknesQy35sqOAqcN4mAhFfaSTs8lDMlYUQ905+6nqNnL5gs+ARwfl4tRkBC0hRN2yR3NgqpRhyeaf9bSVp5lwDG6a4jY4lw7EVzTV3eF+KMQRbZTrlmams3b1UCdnMYsCPJ6cPankdGxfuDKiq7bx7udEouvJ6zqXMrsSEb+A1/h8AeBPUWKhGBCTs8lDMlYUQTQbnnTB7+ZmOx5Ha6wAU7h7zC1TQ295q5trP900t7jVZq/WTRSDqdCe14Mp+oPdq8jAA52ZjYQ2iDQx5emq/Yb1UCdnMYsCPZjvJDX58SoUGqFDb1zWKIc++XvK6OwxknesQy35sqODXP30qQj66NzPcKmMmWNFzXpzs1aJ3tAtQea0fLHKJvQpzxZPqR4a4F7MC3KKDJEc4hm9lUxZ/CuSe/jhyj87vw5LNHbEu5Sv+nh7u4/SRyI8nbtEnOAEXOIZvZVMWfwpRiRvCoBnO+PV4+evt3imvk3gijePlA0ddX8u8oWnbiC5Ra+ZeieNUWPa6FxKy4cEl4vYD5FppJsOSzR2xLuUrQvbs4Doc9W6pYas2LWMuJqNnz02ouBqFcddaGMVWKbvmJLTWTNCmc9J3SgLrcJLDV0x2pkhmY8sjt561VxopXEL27OA6HPVudTNDCocpXHoYxmDyJbsyWKyQtAJkA/PzWpizaZw3lqUXxFs50344sf7nqxJougi4WpizaZw3lqUXxFs50344sTXXTPSPBVw3y/vRZ7WjlRdEg2+aIThDBkoAqJumiO4M80CH93PGIGrEqGyS+ejdyEq3Oi5kSMvH9LN90y3YKsHFxA/jlExvKRfEWznTfjixIXPiFcG1e5udVj6tQTmZa4YZrzxJU4J8RINvmiE4QwbpcRHVqJbrdvYid9xkBp9Z/w0X2FEZUszEqGyS+ejdyPxVxkwQ8eXdnfQPFr38tM7mJLTWTNCmc0SDb5ohOEMGF5/ZK1iirY71iVSKJsHkMunGXHY+G48URINvmiE4QwZG898SBiW6aNTcPVJT78K/cgFjcYy9eDYDiywo1z3X0wXUbdCIFq6ScHqRGh9e+hihI5Kl/z35Y3Tg4mEQVNtQZvAR3tAjqnpNrjqTarUPMb0vl7bdFR3XM9DQQSBdB2RidQArNrEUAdJ3SgLrcJLDSwD6dok6yLXalWJAg34RBfEOXU61nFnnRn+XPwuZD7I0DntTSltXRBozC0YaxUQsk4tM2gK1PmrqfgOyFyqetxMaJZoAB9T4gu1r5qtxPlvdyTZnlY00+w2oPtkQqBbvsrIgT7dcYZxgjwzP4cf51aX6xxIFVQW/nSuoilzH81OhqP5XwxY6Ux5FUMrdZSeG34ucoWi2ApGCCeJwtZNaHjaTlPUIl74WHkVQyt1lJ4bfi5yhaLYCkdyzV/VWuirRv5lZ0gIzuFiDqO1/e1fQkiyPlCx5RhrYWK36nj1bvct5QByaEkHeKmCz4BHB+Xi1qzSbijHKJDUiu/QHWNjC0BOYvQtsdq1tSaptqMZRhVVJqm2oxlGFVfaUVDMRUlEcZFd196Z9X4KBXoihXOjbTN9Lx0fDlCMWDFzsBIrgg0cyxLjm02H2SiVllTAlou1IwkAnb3Pr64WqcOgeTsZCd2AXBGdDQMDzKjiatgerpAQMXOwEiuCDRzLEuObTYfZK/AP6pu5pIhJkV3X3pn1fgvLXHOVBCnipE1cTXOsDsIx8iKvdAKMHp9qRNn5SIQDXAMj7JwRJSZMOimUutZgb/FVZpGpvmrkgTk215xVXwBIAyPsnBElJkw6KZS61mBv8xzGNZo5JbzcJ9s1sqO7UNQDI+ycESUmTDoplLrWYG/ypE8D/j8o3kc1Uk1Bmu7RlBstZrUrmcaZXOrerqTB/7kRpeFWXDGQPqroJl7Us8LZXOrerqTB/7lX6j4Gfe2irgxhY/KIINDV8302GS39Os4wP7wPDTKYu"/>
+</p:tagLst>
+</file>
+
+<file path=ppt/tags/tag19.xml><?xml version="1.0" encoding="utf-8"?>
+<p:tagLst xmlns:a="http://schemas.openxmlformats.org/drawingml/2006/main" xmlns:r="http://schemas.openxmlformats.org/officeDocument/2006/relationships" xmlns:p="http://schemas.openxmlformats.org/presentationml/2006/main">
+  <p:tag name="MENTOMETER" val="Options:2"/>
+</p:tagLst>
+</file>
+
 <file path=ppt/tags/tag2.xml><?xml version="1.0" encoding="utf-8"?>
 <p:tagLst xmlns:a="http://schemas.openxmlformats.org/drawingml/2006/main" xmlns:r="http://schemas.openxmlformats.org/officeDocument/2006/relationships" xmlns:p="http://schemas.openxmlformats.org/presentationml/2006/main">
   <p:tag name="MENTOMETER" val="Options:2"/>
 </p:tagLst>
 </file>
 
+<file path=ppt/tags/tag20.xml><?xml version="1.0" encoding="utf-8"?>
+<p:tagLst xmlns:a="http://schemas.openxmlformats.org/drawingml/2006/main" xmlns:r="http://schemas.openxmlformats.org/officeDocument/2006/relationships" xmlns:p="http://schemas.openxmlformats.org/presentationml/2006/main">
+  <p:tag name="TILDECODE" val="~CODE(AAEAAAD/////AQAAAAAAAAAMAgAAAD9NZW50b0xpYiwgVmVyc2lvbj0yLjIuOS4wLCBDdWx0dXJlPW5ldXRyYWwsIFB1YmxpY0tleVRva2VuPW51bGwEAQAAAIoBU3lzdGVtLkNvbGxlY3Rpb25zLkdlbmVyaWMuTGlzdGAxW1tNZW50b0xpYi5NZW50b21ldGVyTGliK1RpbGRlQ29kZVR5cGUsIE1lbnRvTGliLCBWZXJzaW9uPTIuMi45LjAsIEN1bHR1cmU9bmV1dHJhbCwgUHVibGljS2V5VG9rZW49bnVsbF1dAwAAAAZfaXRlbXMFX3NpemUIX3ZlcnNpb24EAAAmTWVudG9MaWIuTWVudG9tZXRlckxpYitUaWxkZUNvZGVUeXBlW10CAAAACAgJAwAAAAEAAAAGAAAABwMAAAAAAQAAAAQAAAAEJE1lbnRvTGliLk1lbnRvbWV0ZXJMaWIrVGlsZGVDb2RlVHlwZQIAAAAF/P///yRNZW50b0xpYi5NZW50b21ldGVyTGliK1RpbGRlQ29kZVR5cGUKAAAABFR5cGUHU2hhcGVJRAFYAVkEQ29kZQVFeHRyYQNUb3AGSGVpZ2h0BExlZnQFV2lkdGgEAAAAAQEAAAAAIE1lbnRvTGliLk1lbnRvbWV0ZXJMaWIrU2hhcGVUeXBlAgAAAAgICAsLCwsCAAAABfv///8gTWVudG9MaWIuTWVudG9tZXRlckxpYitTaGFwZVR5cGUBAAAAB3ZhbHVlX18ACAIAAAABAAAABQAAAAAAAAAAAAAABgYAAAAFflRJTUUKFK7ZQ65H0UJmZuZBAACQQgH5/////P///wH4////+////wAAAAAAAAAAAAAAAAAAAAAKCgAAAAAAAAAAAAAAAAAAAAAB9/////z///8B9v////v///8AAAAAAAAAAAAAAAAAAAAACgoAAAAAAAAAAAAAAAAAAAAAAfX////8////AfT////7////AAAAAAAAAAAAAAAAAAAAAAoKAAAAAAAAAAAAAAAAAAAAAAs=)"/>
+</p:tagLst>
+</file>
+
 <file path=ppt/tags/tag3.xml><?xml version="1.0" encoding="utf-8"?>
 <p:tagLst xmlns:a="http://schemas.openxmlformats.org/drawingml/2006/main" xmlns:r="http://schemas.openxmlformats.org/officeDocument/2006/relationships" xmlns:p="http://schemas.openxmlformats.org/presentationml/2006/main">
-  <p:tag name="MENTOQUESTION" val="UJHh6hBW372GF1w/ttzrB9hgRbMao2F/uECFmmFtnA+1Llm0lm8wH764Sw8sTG5mxCNzy7W/D5R1tcYCb+Ht5gq0rD2zHdx+4mV+rKpouajA3trkRSv9XLpn4k1CW/F7ziomEf3QN3ST7epTJmfObBt5d72nZ1WFvc5REpOQyk2A9g4YQVgLSf0VhF94V3V+kVTtgkJ7Tyv2eTx27V21Di2t4B44BoeEJsXlSz1X+WKMxgpPsk3AV8p62J08628xc2b+Wgz0F3bG260mP8xy7FWJpFX5RkfjTDsfFTpYXHznHsH5SKouxUriww6Bk3brJsXlSz1X+WJ8N15fcyPBz6DVHJmtlUa4dd04eeEHg1aHip27MpYSKi2t4B44BoeEJsXlSz1X+WKQgkX4bf8jev0VhF94V3V+kVTtgkJ7Tyv2eTx27V21Di2t4B44BoeEEh5SRSHrfBoh3hVfYmz7kjFwnqJ1Sw8Pv6/0aj+sVoESHlJFIet8GjmfDlHwsYN/TPLO2fFAcJCd9A8Wvfy0zmbT95jky4Chfo9EQ81V23OuzVTA85KWwLyIznY0esvTta4mVNT9vPIqFt6+GxB5QWbT95jky4ChZvKMfLgyfmUuUWvmXonjVFj2uhcSsuHB9Xj56+3eKa92PFn56KgFR5XlATmcNiytvkN4X2+8Fxf8Ynqkkdo23MXED+OUTG8pm04SStTqouknLh47e5Sa6PVXVFg6WHCg7rO+tB8p7mO2F9MrG5cpaE2uOpNqtQ8xjkitcHFQNF3AASg5Duud5ohFIPljUtCQIt6AdEszR7g5839EWv/PSOp0ace3nGGuDMbwQ7aAK040DntTSltXRDvIDiLg5HTX+avQDYSzhQHrTrrQryW/NKsWHKKAuoZNwQRJS7Od5csVm2N8QTzFQSLegHRLM0e4ifalf/oxbmxqIErQGH25KomwyK+pCOSo5gBSIQNaxsw5HDMDm4UIXd3JNmeVjTT7H+tKa4wnEWJyIr6euU4z0EzyztnxQHCQnfQPFr38tM6f016/5GSTHuQSEM+jOnew8bCqHnT5xgKZfn1plXFG7I3f1fshdrQbn9Nev+Rkkx6ysiBPt1xhnJSaa/99ir8YziomEf3QN3ScDkBk8yImh3EI4SSt3unXQ7y7Ag4KqAYu/BwAarU6mTGyVaETCATzF7MC3KKDJEeysiBPt1xhnJIXjWqlUtfDSCQhj64xJhlFmjdIzUacCH7EQqL5RclUNyNa3SE0XHMjt561VxopXBcYsboTS5SFI7eetVcaKVxrP8xbmAQWiy4FEwxsYT5JOo14byoEejdrP8xbmAQWi7uPDJpBp2k7V+u1RE9msZVIMGNvm7gbDd4+3bQEtAPg5BIQz6M6d7B7zJVpfJKV8AXUbdCIFq6ScHqRGh9e+hgGNQaCrKKJhTT/dEBMz/0F95j+Vc7iGTFamLNpnDeWpa3sk1iW6SmDKKvGI+YGTE1IJCGPrjEmGdGh1v1elaIbQe4A3WCGZ40MlihzGrzJnnUQbhmqQR2W4QFk0e5nsE2HJ1chJfin7vxb8XNyBR5L3UXEjCev30HINnFK5mz2O8fISGl47hdi7P6EfC0fyLif016/5GSTHi3iuneCqzwqfhPOKW2bkmt9szIyN68tvjGyVaETCATzX3upO4wacMqt7JNYlukpg5IXjWqlUtfDSCQhj64xJhmt7JNYlukpgzb1s3CpBKB6BZqKf0z38zgxslWhEwgE804O0uTlQvnZNvWzcKkEoHozfZ3m9GKGlTGyVaETCATzJMo/PiOJBSrnwB5NuEtTdTEcEbmHLlkd44iCJnU+K0QrUrpyncpzpVjQeIOn//HChuy5Khn2dziSXvnLT4Dnpq3etSu2bAN505lJTfdoFB5HMqtb9qJj7zPibmv4TGXZjYgKzt1P26C2F9MrG5cpaOPBn0yXqFyeMLipXlZd1UxI+wQaQveq6jXgFQgPyNU/"/>
+  <p:tag name="MENTOQUESTION" val="UJHh6hBW372GF1w/ttzrB9hgRbMao2F/uECFmmFtnA+1Llm0lm8wH764Sw8sTG5mxCNzy7W/D5R1tcYCb+Ht5gq0rD2zHdx+4mV+rKpouajA3trkRSv9XLpn4k1CW/F7ziomEf3QN3ST7epTJmfObBt5d72nZ1WFvc5REpOQyk2A9g4YQVgLSf0VhF94V3V+kVTtgkJ7Tyv2eTx27V21Di2t4B44BoeEJsXlSz1X+WLPGZpH24Iwzcp62J08628xc2b+Wgz0F3bG260mP8xy7FWJpFX5RkfjTDsfFTpYXHznHsH5SKouxUriww6Bk3brJsXlSz1X+WJ8N15fcyPBz6DVHJmtlUa4dd04eeEHg1aHip27MpYSKi2t4B44BoeEJsXlSz1X+WKQgkX4bf8jev0VhF94V3V+kVTtgkJ7Tyv2eTx27V21Di2t4B44BoeEEh5SRSHrfBriy5w7aeOSAzFwnqJ1Sw8Pv6/0aj+sVoESHlJFIet8GjmfDlHwsYN/TPLO2fFAcJCd9A8Wvfy0zmbT95jky4Chfo9EQ81V23OuzVTA85KWwLyIznY0esvTta4mVNT9vPIqFt6+GxB5QWbT95jky4ChZvKMfLgyfmUuUWvmXonjVFj2uhcSsuHB9Xj56+3eKa92PFn56KgFR5XlATmcNiytvkN4X2+8Fxf8Ynqkkdo23MXED+OUTG8pm04SStTqouknLh47e5Sa6PVXVFg6WHCg7rO+tB8p7mO2F9MrG5cpaE2uOpNqtQ8xjkitcHFQNF3AASg5Duud5ohFIPljUtCQIt6AdEszR7g5839EWv/PSOp0ace3nGGuDMbwQ7aAK040DntTSltXRDvIDiLg5HTX+avQDYSzhQHrTrrQryW/NKsWHKKAuoZNwQRJS7Od5csVm2N8QTzFQSLegHRLM0e4ifalf/oxbmxqIErQGH25KomwyK+pCOSo5gBSIQNaxsw5HDMDm4UIXd3JNmeVjTT7H+tKa4wnEWJyIr6euU4z0EzyztnxQHCQnfQPFr38tM6f016/5GSTHuQSEM+jOnew8bCqHnT5xgKZfn1plXFG7I3f1fshdrQbn9Nev+Rkkx6ysiBPt1xhnJSaa/99ir8YziomEf3QN3ScDkBk8yImh3EI4SSt3unXQ7y7Ag4KqAYu/BwAarU6mTGyVaETCATzF7MC3KKDJEeysiBPt1xhnJIXjWqlUtfDSCQhj64xJhlFmjdIzUacCH7EQqL5RclUNyNa3SE0XHMjt561VxopXBcYsboTS5SFI7eetVcaKVxrP8xbmAQWiy4FEwxsYT5JOo14byoEejdrP8xbmAQWi7uPDJpBp2k7V+u1RE9msZVIMGNvm7gbDd4+3bQEtAPg5BIQz6M6d7B7zJVpfJKV8AXUbdCIFq6ScHqRGh9e+hgGNQaCrKKJhTT/dEBMz/0F95j+Vc7iGTFamLNpnDeWpa3sk1iW6SmDKKvGI+YGTE1IJCGPrjEmGdGh1v1elaIbQe4A3WCGZ40MlihzGrzJnnUQbhmqQR2W4QFk0e5nsE2HJ1chJfin7vxb8XNyBR5L3UXEjCev30HINnFK5mz2O8fISGl47hdi7P6EfC0fyLif016/5GSTHi3iuneCqzwqfhPOKW2bkmt9szIyN68tvjGyVaETCATzX3upO4wacMqt7JNYlukpg5IXjWqlUtfDSCQhj64xJhmt7JNYlukpgzb1s3CpBKB6BZqKf0z38zgxslWhEwgE804O0uTlQvnZNvWzcKkEoHozfZ3m9GKGlTGyVaETCATzJMo/PiOJBSrnwB5NuEtTdTEcEbmHLlkd44iCJnU+K0QrUrpyncpzpVjQeIOn//HCAlRN9D13xVJIHh+g7ljmy4ZnaL/hVVUAl+vt7OHTBrCE5bK/TnrEu9MZrm5a/XaqUNIYJAn91sRS2fMaHjownr6loIRbk7OTE6Fm9aSREi2RkE8V2Wqq2kVxWyf8Ptch"/>
   <p:tag name="MENTOGRAPHOPTIONS" val="/piyB5pUgjkR1Mt+wiYOnlO5jXdb7sKbyqvtCFY2tuEWgVKHLfPdfRzzg2a3NpWZssUkMj0t6/dXuj+XkWPaIcqr7QhWNrbhYDYUGYK9i6zKq+0IVja24WKQ5ranNyAHzVSTUGa7tGX+56sSaLoIuL9aEXHxvgI+srVQmImKF0LRq/H9nY/by27iLLxU33yHgEnqNpc4NblYrfqePVu9y8MruElZKBJNWpizaZw3lqUhVAFqqmFdnUhEIjhHVx9E2GBFsxqjYX+4QIWaYW2cD7UuWbSWbzAfvrhLDyxMbmbEI3PLtb8PlHW1xgJv4e3mCrSsPbMd3H7iZX6sqmi5qMDe2uRFK/1cqJYdM28N0kTMDXSwQETYxphsR+fhv8ENXKxP3DUldPEYb6/0yUElAadio4pG1wY7r97Ra5NiEDshVAFqqmFdnSEoyNjmWJmeqJYdM28N0kRJjqWQz4SGX5hsR+fhv8ENFo1dYdrjNPoYb6/0yUElAadio4pG1wY7Bv63qc+crKMhVAFqqmFdnQieenkTIZ43qJYdM28N0kQGISnmbdUT0JhsR+fhv8ENPs8U/13kfd6LXUP0RHo/68++XvK6OwxknesQy35sqOAqcN4mAhFfaSTs8lDMlYUQ905+6nqNnL5gs+ARwfl4tRkBC0hRN2yR3NgqpRhyeaf9bSVp5lwDG6a4jY4lw7EVzTV3eF+KMQRbZTrlmams3b1UCdnMYsCPJ6cPankdGxfuDKiq7bx7udEouvJ6zqXMrsSEb+A1/h8AeBPUWKhGBCTs8lDMlYUQTQbnnTB7+ZmOx5Ha6wAU7h7zC1TQ295q5trP900t7jVZq/WTRSDqdCe14Mp+oPdq8jAA52ZjYQ2iDQx5emq/Yb1UCdnMYsCPZjvJDX58SoUGqFDb1zWKIc++XvK6OwxknesQy35sqODXP30qQj66NzPcKmMmWNFzXpzs1aJ3tAtQea0fLHKJvQpzxZPqR4a4F7MC3KKDJEc4hm9lUxZ/CuSe/jhyj87vw5LNHbEu5Sv+nh7u4/SRyI8nbtEnOAEXOIZvZVMWfwpRiRvCoBnO+PV4+evt3imvk3gijePlA0ddX8u8oWnbiC5Ra+ZeieNUWPa6FxKy4cEl4vYD5FppJsOSzR2xLuUrQvbs4Doc9W6pYas2LWMuJqNnz02ouBqFcddaGMVWKbvmJLTWTNCmc9J3SgLrcJLDV0x2pkhmY8sjt561VxopXEL27OA6HPVudTNDCocpXHoYxmDyJbsyWKyQtAJkA/PzWpizaZw3lqUXxFs50344sf7nqxJougi4WpizaZw3lqUXxFs50344sTXXTPSPBVw3y/vRZ7WjlRdEg2+aIThDBkoAqJumiO4M80CH93PGIGrEqGyS+ejdyEq3Oi5kSMvH9LN90y3YKsHFxA/jlExvKRfEWznTfjixIXPiFcG1e5udVj6tQTmZa4YZrzxJU4J8RINvmiE4QwbpcRHVqJbrdvYid9xkBp9Z/w0X2FEZUszEqGyS+ejdyPxVxkwQ8eXdnfQPFr38tM7mJLTWTNCmc0SDb5ohOEMGF5/ZK1iirY71iVSKJsHkMunGXHY+G48URINvmiE4QwZG898SBiW6aNTcPVJT78K/cgFjcYy9eDYDiywo1z3X0wXUbdCIFq6ScHqRGh9e+hihI5Kl/z35Y3Tg4mEQVNtQZvAR3tAjqnpNrjqTarUPMb0vl7bdFR3XM9DQQSBdB2RidQArNrEUAdJ3SgLrcJLDSwD6dok6yLXalWJAg34RBfEOXU61nFnnRn+XPwuZD7I0DntTSltXRBozC0YaxUQsk4tM2gK1PmrqfgOyFyqetxMaJZoAB9T4gu1r5qtxPlvdyTZnlY00+w2oPtkQqBbvsrIgT7dcYZxgjwzP4cf51aX6xxIFVQW/nSuoilzH81OhqP5XwxY6Ux5FUMrdZSeG34ucoWi2ApGCCeJwtZNaHjaTlPUIl74WHkVQyt1lJ4bfi5yhaLYCkdyzV/VWuirRv5lZ0gIzuFiDqO1/e1fQkiyPlCx5RhrYWK36nj1bvct5QByaEkHeKmCz4BHB+Xi1qzSbijHKJDUiu/QHWNjC0BOYvQtsdq1tSaptqMZRhVVJqm2oxlGFVfaUVDMRUlEcZFd196Z9X4KBXoihXOjbTN9Lx0fDlCMWDFzsBIrgg0cyxLjm02H2SiVllTAlou1IwkAnb3Pr64WqcOgeTsZCd2AXBGdDQMDzKjiatgerpAQMXOwEiuCDRzLEuObTYfZK/AP6pu5pIhJkV3X3pn1fgvLXHOVBCnipE1cTXOsDsIx8iKvdAKMHp9qRNn5SIQDXAMj7JwRJSZMOimUutZgb/FVZpGpvmrkgTk215xVXwBIAyPsnBElJkw6KZS61mBv8xzGNZo5JbzcJ9s1sqO7UNQDI+ycESUmTDoplLrWYG/ypE8D/j8o3kc1Uk1Bmu7RlBstZrUrmcaZXOrerqTB/7kRpeFWXDGQPqroJl7Us8LZXOrerqTB/7lX6j4Gfe2irgxhY/KIINDV8302GS39Os4wP7wPDTKYu"/>
 </p:tagLst>
 </file>
 
 <file path=ppt/tags/tag4.xml><?xml version="1.0" encoding="utf-8"?>
 <p:tagLst xmlns:a="http://schemas.openxmlformats.org/drawingml/2006/main" xmlns:r="http://schemas.openxmlformats.org/officeDocument/2006/relationships" xmlns:p="http://schemas.openxmlformats.org/presentationml/2006/main">
-  <p:tag name="MENTOMETER" val="Question"/>
+  <p:tag name="TILDECODE" val="~CODE(AAEAAAD/////AQAAAAAAAAAMAgAAAD9NZW50b0xpYiwgVmVyc2lvbj0yLjIuOS4wLCBDdWx0dXJlPW5ldXRyYWwsIFB1YmxpY0tleVRva2VuPW51bGwEAQAAAIoBU3lzdGVtLkNvbGxlY3Rpb25zLkdlbmVyaWMuTGlzdGAxW1tNZW50b0xpYi5NZW50b21ldGVyTGliK1RpbGRlQ29kZVR5cGUsIE1lbnRvTGliLCBWZXJzaW9uPTIuMi45LjAsIEN1bHR1cmU9bmV1dHJhbCwgUHVibGljS2V5VG9rZW49bnVsbF1dAwAAAAZfaXRlbXMFX3NpemUIX3ZlcnNpb24EAAAmTWVudG9MaWIuTWVudG9tZXRlckxpYitUaWxkZUNvZGVUeXBlW10CAAAACAgJAwAAAAEAAAAGAAAABwMAAAAAAQAAAAQAAAAEJE1lbnRvTGliLk1lbnRvbWV0ZXJMaWIrVGlsZGVDb2RlVHlwZQIAAAAF/P///yRNZW50b0xpYi5NZW50b21ldGVyTGliK1RpbGRlQ29kZVR5cGUKAAAABFR5cGUHU2hhcGVJRAFYAVkEQ29kZQVFeHRyYQNUb3AGSGVpZ2h0BExlZnQFV2lkdGgEAAAAAQEAAAAAIE1lbnRvTGliLk1lbnRvbWV0ZXJMaWIrU2hhcGVUeXBlAgAAAAgICAsLCwsCAAAABfv///8gTWVudG9MaWIuTWVudG9tZXRlckxpYitTaGFwZVR5cGUBAAAAB3ZhbHVlX18ACAIAAAABAAAABQAAAAAAAAAAAAAABgYAAAAFflRJTUUKFK7ZQ65H0UJmZuZBAACQQgH5/////P///wH4////+////wAAAAAAAAAAAAAAAAAAAAAKCgAAAAAAAAAAAAAAAAAAAAAB9/////z///8B9v////v///8AAAAAAAAAAAAAAAAAAAAACgoAAAAAAAAAAAAAAAAAAAAAAfX////8////AfT////7////AAAAAAAAAAAAAAAAAAAAAAoKAAAAAAAAAAAAAAAAAAAAAAs=)"/>
 </p:tagLst>
 </file>
 
 <file path=ppt/tags/tag5.xml><?xml version="1.0" encoding="utf-8"?>
 <p:tagLst xmlns:a="http://schemas.openxmlformats.org/drawingml/2006/main" xmlns:r="http://schemas.openxmlformats.org/officeDocument/2006/relationships" xmlns:p="http://schemas.openxmlformats.org/presentationml/2006/main">
-  <p:tag name="MENTOMETER" val="Options:2"/>
+  <p:tag name="MENTOMETER" val="Question"/>
 </p:tagLst>
 </file>
 
 <file path=ppt/tags/tag6.xml><?xml version="1.0" encoding="utf-8"?>
 <p:tagLst xmlns:a="http://schemas.openxmlformats.org/drawingml/2006/main" xmlns:r="http://schemas.openxmlformats.org/officeDocument/2006/relationships" xmlns:p="http://schemas.openxmlformats.org/presentationml/2006/main">
-  <p:tag name="MENTOQUESTION" val="UJHh6hBW372GF1w/ttzrB52UxZbiHMyOx4XZ3DRAG8yazxKp4HBGBNQEl2OYhF3DPp+ZHG7Mr9uENIIBKg1W1xdBk3q57KwZIxuI6oMBU21ETttzhP9/lLpn4k1CW/F7ziomEf3QN3ST7epTJmfObBt5d72nZ1WF29LUkcU2n4FvexW/QUtQh+xIpdAPGi9GaaQF7OZHkfXavTCzMfPYGwXUbdCIFq6SzAsa2OYABbde8/p4pcb6TS3K5KwHum7bcpvaXIZ0yVD2oZKauXn6qAHnK1z1CyWEiEUg+WNS0JCaaditdzXpmdHZEH6O3O7pi3282dfsKgNtRSJQ+Ih9ikgkIY+uMSYZ5BIQz6M6d7B7zJVpfJKV8AXUbdCIFq6SzAsa2OYABbe9VAnZzGLAj+xIpdAPGi9GaaQF7OZHkfXavTCzMfPYGwXUbdCIFq6SFJ0CV1YfiagkTI+8Wn3018YSvYYOiDIavyajOd+1Mh9ucYtt45dB/L1UCdnMYsCPO8gOIuDkdNcHMeH07m3NsW0viS14ahb2dgdzIOWCJcExslWhEwgE8z8iGruY+ETr5gBSIQNaxszmMKBT0G1UMJkxzJGBJ04+S3gNPAvKpcYXswLcooMkRziGb2VTFn8K5J7+OHKPzu/Dks0dsS7lK+tOutCvJb80qxYcooC6hk3y1Ij5Kduv24vB+VAEV5tQvxdjBWIpaEASHg8vXNVHuOMxldRJ0zVHOfN/RFr/z0jqdGnHt5xhrgzG8EO2gCtOxhK9hg6IMhrc8LrYSQDLCJGQTxXZaqraTDsfFTpYXHzU6jSiWzcNXO6zvrQfKe5jthfTKxuXKWhm8ox8uDJ+ZVm5oFdhwwd39ASkbFW+4Ulx4cgOR/M7OZXlATmcNiytOB8yRk5O+W865infwQ1SKOJ4L3DLpFVl1Oo0ols3DVzFxA/jlExvKTpr8Y/HswSOvIjOdjR6y9OM+0QITJ7aLSm5SaF+fNZUr2yCh/12V8x2G1F7wY12GTvIDiLg5HTXBzHh9O5tzbGy8mFf4poTuaDVHJmtlUa4dd04eeEHg1YkmblTET2WxF7P4jrdSGF2A5IzDa1+Wc4uRi4W0dXc4w+aMlCPgjtO0avx/Z2P28tQ1UalTWlARZNLwsR2xRcaoSxYrADujcLqfgOyFyqet1N7cGFiDrvkkkiGtq9NuzK3sRbBissSiZfn/gYUvLSAudq8n4Z91+aHJ1chJfin7mnJYwGSviBLkCU8mZR9KzOPPKncHLQDRw9W3fArHz9VQn3HirXqiVBSBOMDkidgeaTGvGF5JEbnw9fDB9z/zG4VE/UkBouh9qPQ2eefqNXrShcUWlMWVP3J2iMQIaHjtHIBY3GMvXg2akPY+oolmlN13Th54QeDVoeKnbsylhIq4QFk0e5nsE2HJ1chJfin7t1FxIwnr99BM7WIJWmztvuUtfauY65Qz7oVKezTMLGn/v43BgaoPxh8N15fcyPBzxeo4Z/c4tVJLSa1+MSXQ+6fbkKmNPuP5b7/Z1HEsfYlBdRt0IgWrpJwepEaH176GEWaN0jNRpwIJdtee7/ozybsaYxu6Vv8EygfB5otpYvzH33oGSaCERyJcUbtCkqX3ujgiBrEssKIWB12C7PBo9Ls/oR8LR/IuHw7Y3mOeya2H8ja6g4vgvq+RYjJSlkWXv7+NwYGqD8Yudq8n4Z91+a6FSns0zCxp3n/qSs+8YCNllKua2AMvHfpuWTie0a2uezg16zHDVgvKvXmCItAO2SWUq5rYAy8d2tGA+ly2zkvDwsWwuF0PPWXj14g7stufKFkmuGQlfa6QCoxRGloCsU2AHWRL4Muh/qTra/58ITvthfTKxuXKWi1jsFygRdTDUgeH6DuWObLhmdov+FVVQCX6+3s4dMGsITlsr9OesS70xmublr9dqpQ0hgkCf3WxFLZ8xoeOjCevqWghFuTs5MToWb1pJESLZGQTxXZaqraRXFbJ/w+1yE="/>
-  <p:tag name="MENTOGRAPHOPTIONS" val="/piyB5pUgjkR1Mt+wiYOnlO5jXdb7sKbyqvtCFY2tuEWgVKHLfPdfRzzg2a3NpWZwUIYFueNYOdj/7J6lPA7V8Up/5e3tUvEstvKWr7T4JYymPa9dRN6bbLbylq+0+CWyVMUnFmXxNGY0AGOerVmuvNAh/dzxiBq1FLkLI2EtjWZ4ptzpbYA284qJhH90Dd0qGIG6r3oNcvNNXd4X4oxBAtj2qF0kHsH0mOlfzPPc81wO+vny/yoXKFBxGeTIcVA6kXjFwlOGKEtD2AmmUfypnCOUy2OfxlvYYQe/4NvEcGU+Qk504qjgBx9Bg5ehbMIdBUJsewfefepCytdK3Z5HQnFoFmN2WegYKgZcln7k7inYqOKRtcGOyFR55la83p8IVQBaqphXZ0SHlJFIet8GqiWHTNvDdJEcwm3QumqY4aYbEfn4b/BDbMqJSoT0vocGG+v9MlBJQGnYqOKRtcGO016Hcv2sRpoIVQBaqphXZ08vRfSlP3XlqiWHTNvDdJEPdcapWPcnKiYbEfn4b/BDbTVrpdefIUNGG+v9MlBJQGnYqOKRtcGOyMvDSj3OERCIVQBaqphXZ3F7gMRlWjI+RiPN5X6B1sB0Si68nrOpcyLXUP0RHo/6zPcKmMmWNFzXpzs1aJ3tAtQea0fLHKJvS0pS0zcBZIqwPx7VbFFp4cmxeVLPVf5Ys8ZmkfbgjDNGHmO4ZFIJFck7PJQzJWFEFWJpFX5RkfjCnPFk+pHhrgtKUtM3AWSKsD8e1WxRaeHEh5SRSHrfBrTdE/KRbdnd1it+p49W73LEh5SRSHrfBonpw9qeR0bF9+LnKFotgKREd4uRXuLaKPRKLryes6lzItdQ/REej/r9rGxqb04y6wk7PJQzJWFEPdOfup6jZy+OodMk3OFfQPmvzQTwgh7T8pfeVVX4onJWav1k0Ug6nTsKhI0dZRouye+tOATMRglog0MeXpqv2G9VAnZzGLAj2Y7yQ1+fEqF2Yga8jhBqyi+tRxUqz6X7U9ssNRieH1gbgUYM/hMJoSklH9ZGT609zQq7t4BS9eKvrUcVKs+l+0lZZUwJaLtSJB1VV+7+d7COIZvZVMWfwo9765/45TedTTxx824eVwNg+hkBbguhGpdX8u8oWnbiG4FGDP4TCaEQCoxRGloCsWhI5Kl/z35Y5tOEkrU6qLpJy4eO3uUmugiGpLVMETNvh+pJaEtbBIEa7KwZpdy1279f2DKvUsKaqWXgPbWmdnqoSOSpf89+WNZRIW0kynVRNft0bwDK3WwGMk7LJS8BVdEg2+aIThDBuyDXVYIMzXFy/vRZ7WjlRdEg2+aIThDBj5yHbkLbwGP80CH93PGIGrEqGyS+ejdyBesPvkPaOVwyqvtCFY2tuEmyVVrzpXfkGtXcOyjX51swPx7VbFFp4eeQZ9fGoueSUSDb5ohOEMGzqcPXpkckFDKYGX/1rYioARyWwcpz2C+xKhskvno3cjJRknE0AaF9LDq/XQ2eaWtwPx7VbFFp4cmyVVrzpXfkLIbx8Hw/vm00dkQfo7c7ukiGpLVMETNvsSobJL56N3IKHWN//N+H63K8Xyt2Sy3wB0tH4m6/zEjxKhskvno3ciUga/gkkeEEGMGudBaMMcqWpizaZw3lqU1fFz5h/zNr+YwoFPQbVQw8I/nbvTCHybSd0oC63CSw3Xb2Ano7vUx1Nw9UlPvwr+f016/5GSTHm3IcDhljBBoGjMLRhrFRCzAcZmEND0Hc7CFOvUnDMBgRPTneXhUX4m/mVnSAjO4WIOo7X97V9CSNfnUGS2MdiaTS8LEdsUXGjQxeHGMQ9YsO95gMavSMtWX5/4GFLy0gCSaT6J5rjbRq2nduiM3cmdeoIts2rFV2/AtvYn5uIm/k4tM2gK1Pmq5ExwjPeaZuXyIq90Aowen2pE2flIhANeR/pW9XlRnVFit+p49W73LUHmtHyxyib1JFEJP+n8zAzMG9YmIB4ODWK36nj1bvctQea0fLHKJvU8eZy/LB86pgu1r5qtxPlvdyTZnlY00+w2oPtkQqBbvM9wqYyZY0XM+WOIGuSvqPGxF4XpddAE5jNrLqLsKKOyERBW3zGJvRx5FUMrdZSeGJ6cPankdGxcnpw9qeR0bFyenD2p5HRsXL2FKOhNchhABHNXLXBDW4P84j3xeAGIBwkAnb3Pr64WqcOgeTsZCd1NrhIFnhVPxqbfoT9R+fpkW+JMoX6/YE3mz/sattG03zKlEJIWVNI/CQCdvc+vrhapw6B5OxkJ3YBcEZ0NAwPMvYUo6E1yGEAEc1ctcENbgEEf4X23uLLlTuY13W+7Cm8qr7QhWNrbhBstZrUrmcaZXOrerqTB/7va0SWdXwxA9wPx7VbFFp4cGy1mtSuZxplc6t6upMH/uSppblw42cUNDvLsCDgqoBgbLWa1K5nGmVzq3q6kwf+72tElnV8MQPYMYWPyiCDQ1gXX+hek8zfJyLx2Hpuqo0K+NPm/uANza0aHW/V6VohtyLx2Hpuqo0K+NPm/uANzayVMUnFmXxNEoyPdqFXQRmUVxWyf8Ptch"/>
+  <p:tag name="MENTOQUESTION" val="UJHh6hBW372GF1w/ttzrB6C+MobvxGksAOioIyP/sv9/My+nSFJ+RGmDuLjOrB6ShiYu8K5TJtaqGgY/B+lGPqJF+Zhz1rMSIbqRqAnfO6APMJUcOwkhGbpn4k1CW/F7ziomEf3QN3ST7epTJmfObBt5d72nZ1WFvc5REpOQyk2A9g4YQVgLSf0VhF94V3V+kVTtgkJ7Tyv2eTx27V21Di2t4B44BoeEJsXlSz1X+WLPGZpH24Iwzcp62J08628xc2b+Wgz0F3bG260mP8xy7FWJpFX5RkfjTDsfFTpYXHznHsH5SKouxUriww6Bk3brJsXlSz1X+WJ8N15fcyPBz6DVHJmtlUa4dd04eeEHg1aHip27MpYSKi2t4B44BoeEJsXlSz1X+WKQgkX4bf8jev0VhF94V3V+kVTtgkJ7Tyv2eTx27V21Di2t4B44BoeEEh5SRSHrfBriy5w7aeOSAzFwnqJ1Sw8Pv6/0aj+sVoESHlJFIet8GjmfDlHwsYN/TPLO2fFAcJCd9A8Wvfy0zmbT95jky4Chfo9EQ81V23OuzVTA85KWwLyIznY0esvTta4mVNT9vPIqFt6+GxB5QWbT95jky4ChZvKMfLgyfmUuUWvmXonjVFj2uhcSsuHB9Xj56+3eKa92PFn56KgFR5XlATmcNiytvkN4X2+8Fxf8Ynqkkdo23MXED+OUTG8pm04SStTqouknLh47e5Sa6PVXVFg6WHCg7rO+tB8p7mO2F9MrG5cpaE2uOpNqtQ8xjkitcHFQNF3AASg5Duud5ohFIPljUtCQIt6AdEszR7g5839EWv/PSOp0ace3nGGuDMbwQ7aAK040DntTSltXRDvIDiLg5HTX+avQDYSzhQHrTrrQryW/NKsWHKKAuoZNwQRJS7Od5csVm2N8QTzFQSLegHRLM0e4ifalf/oxbmxqIErQGH25KomwyK+pCOSo5gBSIQNaxsw5HDMDm4UIXd3JNmeVjTT7H+tKa4wnEWJyIr6euU4z0EzyztnxQHCQnfQPFr38tM6f016/5GSTHuQSEM+jOnew8bCqHnT5xgKZfn1plXFG7I3f1fshdrQbn9Nev+Rkkx6ysiBPt1xhnJSaa/99ir8YziomEf3QN3ScDkBk8yImh3EI4SSt3unXQ7y7Ag4KqAYu/BwAarU6mTGyVaETCATzF7MC3KKDJEeysiBPt1xhnJIXjWqlUtfDSCQhj64xJhlFmjdIzUacCH7EQqL5RclUNyNa3SE0XHMjt561VxopXBcYsboTS5SFI7eetVcaKVxrP8xbmAQWiy4FEwxsYT5JOo14byoEejdrP8xbmAQWi7uPDJpBp2k7V+u1RE9msZVIMGNvm7gbDd4+3bQEtAPg5BIQz6M6d7B7zJVpfJKV8AXUbdCIFq6ScHqRGh9e+hgGNQaCrKKJhTT/dEBMz/0F95j+Vc7iGTFamLNpnDeWpa3sk1iW6SmDKKvGI+YGTE1IJCGPrjEmGdGh1v1elaIbQe4A3WCGZ40MlihzGrzJnnUQbhmqQR2W4QFk0e5nsE2HJ1chJfin7vxb8XNyBR5L3UXEjCev30HINnFK5mz2O8fISGl47hdi7P6EfC0fyLif016/5GSTHi3iuneCqzwqfhPOKW2bkmt9szIyN68tvjGyVaETCATzX3upO4wacMqt7JNYlukpg5IXjWqlUtfDSCQhj64xJhmt7JNYlukpgzb1s3CpBKB6BZqKf0z38zgxslWhEwgE804O0uTlQvnZNvWzcKkEoHozfZ3m9GKGlTGyVaETCATzJMo/PiOJBSrnwB5NuEtTdTEcEbmHLlkd44iCJnU+K0QrUrpyncpzpVjQeIOn//HCAlRN9D13xVJIHh+g7ljmy4ZnaL/hVVUAl+vt7OHTBrCE5bK/TnrEu9MZrm5a/XaqUNIYJAn91sRS2fMaHjownr6loIRbk7OTE6Fm9aSREi2RkE8V2Wqq2kVxWyf8Ptch"/>
+  <p:tag name="MENTOGRAPHOPTIONS" val="/piyB5pUgjkR1Mt+wiYOnlO5jXdb7sKbyqvtCFY2tuEWgVKHLfPdfRzzg2a3NpWZssUkMj0t6/dXuj+XkWPaIcqr7QhWNrbhYDYUGYK9i6zKq+0IVja24WKQ5ranNyAHzVSTUGa7tGX+56sSaLoIuL9aEXHxvgI+srVQmImKF0LRq/H9nY/by27iLLxU33yHgEnqNpc4NblYrfqePVu9y8MruElZKBJNWpizaZw3lqUhVAFqqmFdnUhEIjhHVx9EoL4yhu/EaSwA6KgjI/+y/38zL6dIUn5EaYO4uM6sHpKGJi7wrlMm1qoaBj8H6UY+okX5mHPWsxIhupGoCd87oA8wlRw7CSEZqJYdM28N0kTMDXSwQETYxphsR+fhv8ENXKxP3DUldPEYb6/0yUElAadio4pG1wY7r97Ra5NiEDshVAFqqmFdnSEoyNjmWJmeqJYdM28N0kRJjqWQz4SGX5hsR+fhv8ENFo1dYdrjNPoYb6/0yUElAadio4pG1wY7Bv63qc+crKMhVAFqqmFdnQieenkTIZ43qJYdM28N0kQGISnmbdUT0JhsR+fhv8ENPs8U/13kfd6LXUP0RHo/68++XvK6OwxknesQy35sqOAqcN4mAhFfaSTs8lDMlYUQ905+6nqNnL5gs+ARwfl4tRkBC0hRN2yR3NgqpRhyeaf9bSVp5lwDG6a4jY4lw7EVzTV3eF+KMQRbZTrlmams3b1UCdnMYsCPJ6cPankdGxfuDKiq7bx7udEouvJ6zqXMrsSEb+A1/h8AeBPUWKhGBCTs8lDMlYUQTQbnnTB7+ZmOx5Ha6wAU7h7zC1TQ295q5trP900t7jVZq/WTRSDqdCe14Mp+oPdq8jAA52ZjYQ2iDQx5emq/Yb1UCdnMYsCPZjvJDX58SoUGqFDb1zWKIc++XvK6OwxknesQy35sqODXP30qQj66NzPcKmMmWNFzXpzs1aJ3tAtQea0fLHKJvQpzxZPqR4a4F7MC3KKDJEc4hm9lUxZ/CuSe/jhyj87vw5LNHbEu5Sv+nh7u4/SRyI8nbtEnOAEXOIZvZVMWfwpRiRvCoBnO+PV4+evt3imvk3gijePlA0ddX8u8oWnbiC5Ra+ZeieNUWPa6FxKy4cEl4vYD5FppJsOSzR2xLuUrQvbs4Doc9W6pYas2LWMuJqNnz02ouBqFcddaGMVWKbvmJLTWTNCmc9J3SgLrcJLDV0x2pkhmY8sjt561VxopXEL27OA6HPVudTNDCocpXHoYxmDyJbsyWKyQtAJkA/PzWpizaZw3lqUXxFs50344sf7nqxJougi4WpizaZw3lqUXxFs50344sTXXTPSPBVw3y/vRZ7WjlRdEg2+aIThDBkoAqJumiO4M80CH93PGIGrEqGyS+ejdyEq3Oi5kSMvH9LN90y3YKsHFxA/jlExvKRfEWznTfjixIXPiFcG1e5udVj6tQTmZa4YZrzxJU4J8RINvmiE4QwbpcRHVqJbrdvYid9xkBp9Z/w0X2FEZUszEqGyS+ejdyPxVxkwQ8eXdnfQPFr38tM7mJLTWTNCmc0SDb5ohOEMGF5/ZK1iirY71iVSKJsHkMunGXHY+G48URINvmiE4QwZG898SBiW6aNTcPVJT78K/cgFjcYy9eDYDiywo1z3X0wXUbdCIFq6ScHqRGh9e+hihI5Kl/z35Y3Tg4mEQVNtQZvAR3tAjqnpNrjqTarUPMb0vl7bdFR3XM9DQQSBdB2RidQArNrEUAdJ3SgLrcJLDSwD6dok6yLXalWJAg34RBfEOXU61nFnnRn+XPwuZD7I0DntTSltXRBozC0YaxUQsk4tM2gK1PmrqfgOyFyqetxMaJZoAB9T4gu1r5qtxPlvdyTZnlY00+w2oPtkQqBbvsrIgT7dcYZxgjwzP4cf51aX6xxIFVQW/nSuoilzH81OhqP5XwxY6Ux5FUMrdZSeG34ucoWi2ApGCCeJwtZNaHjaTlPUIl74WHkVQyt1lJ4bfi5yhaLYCkdyzV/VWuirRv5lZ0gIzuFiDqO1/e1fQkiyPlCx5RhrYWK36nj1bvct5QByaEkHeKmCz4BHB+Xi1qzSbijHKJDUiu/QHWNjC0BOYvQtsdq1tSaptqMZRhVVJqm2oxlGFVfaUVDMRUlEcZFd196Z9X4KBXoihXOjbTN9Lx0fDlCMWDFzsBIrgg0cyxLjm02H2SiVllTAlou1IwkAnb3Pr64WqcOgeTsZCd2AXBGdDQMDzKjiatgerpAQMXOwEiuCDRzLEuObTYfZK/AP6pu5pIhJkV3X3pn1fgvLXHOVBCnipE1cTXOsDsIx8iKvdAKMHp9qRNn5SIQDXAMj7JwRJSZMOimUutZgb/FVZpGpvmrkgTk215xVXwBIAyPsnBElJkw6KZS61mBv8xzGNZo5JbzcJ9s1sqO7UNQDI+ycESUmTDoplLrWYG/ypE8D/j8o3kc1Uk1Bmu7RlBstZrUrmcaZXOrerqTB/7kRpeFWXDGQPqroJl7Us8LZXOrerqTB/7lX6j4Gfe2irgxhY/KIINDV8302GS39Os4wP7wPDTKYu"/>
+</p:tagLst>
+</file>
+
+<file path=ppt/tags/tag7.xml><?xml version="1.0" encoding="utf-8"?>
+<p:tagLst xmlns:a="http://schemas.openxmlformats.org/drawingml/2006/main" xmlns:r="http://schemas.openxmlformats.org/officeDocument/2006/relationships" xmlns:p="http://schemas.openxmlformats.org/presentationml/2006/main">
+  <p:tag name="MENTOMETER" val="Options:2"/>
+</p:tagLst>
+</file>
+
+<file path=ppt/tags/tag8.xml><?xml version="1.0" encoding="utf-8"?>
+<p:tagLst xmlns:a="http://schemas.openxmlformats.org/drawingml/2006/main" xmlns:r="http://schemas.openxmlformats.org/officeDocument/2006/relationships" xmlns:p="http://schemas.openxmlformats.org/presentationml/2006/main">
+  <p:tag name="TILDECODE" val="~CODE(AAEAAAD/////AQAAAAAAAAAMAgAAAD9NZW50b0xpYiwgVmVyc2lvbj0yLjIuOS4wLCBDdWx0dXJlPW5ldXRyYWwsIFB1YmxpY0tleVRva2VuPW51bGwEAQAAAIoBU3lzdGVtLkNvbGxlY3Rpb25zLkdlbmVyaWMuTGlzdGAxW1tNZW50b0xpYi5NZW50b21ldGVyTGliK1RpbGRlQ29kZVR5cGUsIE1lbnRvTGliLCBWZXJzaW9uPTIuMi45LjAsIEN1bHR1cmU9bmV1dHJhbCwgUHVibGljS2V5VG9rZW49bnVsbF1dAwAAAAZfaXRlbXMFX3NpemUIX3ZlcnNpb24EAAAmTWVudG9MaWIuTWVudG9tZXRlckxpYitUaWxkZUNvZGVUeXBlW10CAAAACAgJAwAAAAEAAAAGAAAABwMAAAAAAQAAAAQAAAAEJE1lbnRvTGliLk1lbnRvbWV0ZXJMaWIrVGlsZGVDb2RlVHlwZQIAAAAF/P///yRNZW50b0xpYi5NZW50b21ldGVyTGliK1RpbGRlQ29kZVR5cGUKAAAABFR5cGUHU2hhcGVJRAFYAVkEQ29kZQVFeHRyYQNUb3AGSGVpZ2h0BExlZnQFV2lkdGgEAAAAAQEAAAAAIE1lbnRvTGliLk1lbnRvbWV0ZXJMaWIrU2hhcGVUeXBlAgAAAAgICAsLCwsCAAAABfv///8gTWVudG9MaWIuTWVudG9tZXRlckxpYitTaGFwZVR5cGUBAAAAB3ZhbHVlX18ACAIAAAABAAAABQAAAAAAAAAAAAAABgYAAAAFflRJTUUKFK7ZQ65H0UJmZuZBAACQQgH5/////P///wH4////+////wAAAAAAAAAAAAAAAAAAAAAKCgAAAAAAAAAAAAAAAAAAAAAB9/////z///8B9v////v///8AAAAAAAAAAAAAAAAAAAAACgoAAAAAAAAAAAAAAAAAAAAAAfX////8////AfT////7////AAAAAAAAAAAAAAAAAAAAAAoKAAAAAAAAAAAAAAAAAAAAAAs=)"/>
+</p:tagLst>
+</file>
+
+<file path=ppt/tags/tag9.xml><?xml version="1.0" encoding="utf-8"?>
+<p:tagLst xmlns:a="http://schemas.openxmlformats.org/drawingml/2006/main" xmlns:r="http://schemas.openxmlformats.org/officeDocument/2006/relationships" xmlns:p="http://schemas.openxmlformats.org/presentationml/2006/main">
+  <p:tag name="MENTOMETER" val="Question"/>
 </p:tagLst>
 </file>
 
